--- a/presentation/Graph Theory - Florian Speer + Nils Schröder.pptx
+++ b/presentation/Graph Theory - Florian Speer + Nils Schröder.pptx
@@ -286,7 +286,7 @@
               <a:pPr>
                 <a:defRPr/>
               </a:pPr>
-              <a:t>16.01.2025</a:t>
+              <a:t>17.01.2025</a:t>
             </a:fld>
             <a:endParaRPr lang="de-DE" altLang="de-DE" dirty="0">
               <a:latin typeface="Arial" panose="020B0604020202020204" pitchFamily="34" charset="0"/>
@@ -516,7 +516,7 @@
               <a:pPr>
                 <a:defRPr/>
               </a:pPr>
-              <a:t>16.01.2025</a:t>
+              <a:t>17.01.2025</a:t>
             </a:fld>
             <a:endParaRPr lang="de-DE" altLang="de-DE" dirty="0"/>
           </a:p>
@@ -9076,6 +9076,60 @@
           </a:xfrm>
         </p:spPr>
       </p:pic>
+      <p:sp>
+        <p:nvSpPr>
+          <p:cNvPr id="3" name="TextBox 2">
+            <a:extLst>
+              <a:ext uri="{FF2B5EF4-FFF2-40B4-BE49-F238E27FC236}">
+                <a16:creationId xmlns:a16="http://schemas.microsoft.com/office/drawing/2014/main" id="{BE0826BE-6717-FB01-435B-20EBCE61D173}"/>
+              </a:ext>
+            </a:extLst>
+          </p:cNvPr>
+          <p:cNvSpPr txBox="1"/>
+          <p:nvPr/>
+        </p:nvSpPr>
+        <p:spPr>
+          <a:xfrm>
+            <a:off x="7456244" y="3829846"/>
+            <a:ext cx="984737" cy="553998"/>
+          </a:xfrm>
+          <a:prstGeom prst="rect">
+            <a:avLst/>
+          </a:prstGeom>
+          <a:noFill/>
+        </p:spPr>
+        <p:txBody>
+          <a:bodyPr wrap="square" lIns="0" tIns="0" rIns="0" bIns="0" rtlCol="0">
+            <a:spAutoFit/>
+          </a:bodyPr>
+          <a:lstStyle/>
+          <a:p>
+            <a:r>
+              <a:rPr lang="en-US" dirty="0">
+                <a:latin typeface="+mn-lt"/>
+                <a:cs typeface="Arial" panose="020B0604020202020204" pitchFamily="34" charset="0"/>
+              </a:rPr>
+              <a:t>s</a:t>
+            </a:r>
+            <a:r>
+              <a:rPr lang="en-US" i="0" dirty="0">
+                <a:latin typeface="+mn-lt"/>
+                <a:cs typeface="Arial" panose="020B0604020202020204" pitchFamily="34" charset="0"/>
+              </a:rPr>
+              <a:t>peedup</a:t>
+            </a:r>
+          </a:p>
+          <a:p>
+            <a:r>
+              <a:rPr lang="en-US" i="0" dirty="0">
+                <a:latin typeface="+mn-lt"/>
+                <a:cs typeface="Arial" panose="020B0604020202020204" pitchFamily="34" charset="0"/>
+              </a:rPr>
+              <a:t>&gt; 16x</a:t>
+            </a:r>
+          </a:p>
+        </p:txBody>
+      </p:sp>
     </p:spTree>
     <p:extLst>
       <p:ext uri="{BB962C8B-B14F-4D97-AF65-F5344CB8AC3E}">
@@ -9230,7 +9284,7 @@
         </p:nvSpPr>
         <p:spPr>
           <a:xfrm>
-            <a:off x="457200" y="4463663"/>
+            <a:off x="513470" y="4400359"/>
             <a:ext cx="3513025" cy="276999"/>
           </a:xfrm>
           <a:prstGeom prst="rect">
@@ -9394,23 +9448,59 @@
           <a:p>
             <a:r>
               <a:rPr lang="en-US" dirty="0"/>
-              <a:t>Node Label Histogram produces large number of clusters in short time</a:t>
-            </a:r>
-          </a:p>
-          <a:p>
+              <a:t>Label Histograms and </a:t>
+            </a:r>
             <a:r>
               <a:rPr lang="en-US" dirty="0" err="1"/>
               <a:t>Weisfeiler</a:t>
             </a:r>
             <a:r>
               <a:rPr lang="en-US" dirty="0"/>
-              <a:t> Lehman Graph Hash in 3 Iterations already finds all clusters for L-Depth </a:t>
-            </a:r>
-            <a:r>
-              <a:rPr lang="en-US"/>
-              <a:t>[0-2]</a:t>
-            </a:r>
-            <a:endParaRPr lang="en-US" dirty="0"/>
+              <a:t> Lehmann Graph Hash are the best invariants</a:t>
+            </a:r>
+          </a:p>
+          <a:p>
+            <a:pPr lvl="1"/>
+            <a:r>
+              <a:rPr lang="en-US" dirty="0"/>
+              <a:t>Linear scaling for increasing number of reactions</a:t>
+            </a:r>
+          </a:p>
+          <a:p>
+            <a:pPr lvl="1"/>
+            <a:r>
+              <a:rPr lang="en-US" dirty="0"/>
+              <a:t>Exponential scaling for increasing L Depths</a:t>
+            </a:r>
+          </a:p>
+          <a:p>
+            <a:r>
+              <a:rPr lang="en-US" dirty="0"/>
+              <a:t>Edge Label with Nodes Histogram has the lowest total execution time</a:t>
+            </a:r>
+          </a:p>
+          <a:p>
+            <a:r>
+              <a:rPr lang="en-US" dirty="0"/>
+              <a:t>Node Label Histogram produces many clusters in short time</a:t>
+            </a:r>
+          </a:p>
+          <a:p>
+            <a:r>
+              <a:rPr lang="en-US" dirty="0" err="1"/>
+              <a:t>Weisfeiler</a:t>
+            </a:r>
+            <a:r>
+              <a:rPr lang="en-US" dirty="0"/>
+              <a:t> Lehman Graph Hash finds with 3 Iterations all clusters for</a:t>
+            </a:r>
+            <a:br>
+              <a:rPr lang="en-US" dirty="0"/>
+            </a:br>
+            <a:r>
+              <a:rPr lang="en-US" dirty="0"/>
+              <a:t>L-Depth 0-2</a:t>
+            </a:r>
           </a:p>
         </p:txBody>
       </p:sp>

--- a/presentation/Graph Theory - Florian Speer + Nils Schröder.pptx
+++ b/presentation/Graph Theory - Florian Speer + Nils Schröder.pptx
@@ -6,22 +6,27 @@
     <p:sldMasterId id="2147483881" r:id="rId2"/>
   </p:sldMasterIdLst>
   <p:notesMasterIdLst>
-    <p:notesMasterId r:id="rId13"/>
+    <p:notesMasterId r:id="rId18"/>
   </p:notesMasterIdLst>
   <p:handoutMasterIdLst>
-    <p:handoutMasterId r:id="rId14"/>
+    <p:handoutMasterId r:id="rId19"/>
   </p:handoutMasterIdLst>
   <p:sldIdLst>
     <p:sldId id="308" r:id="rId3"/>
     <p:sldId id="307" r:id="rId4"/>
-    <p:sldId id="309" r:id="rId5"/>
-    <p:sldId id="312" r:id="rId6"/>
-    <p:sldId id="313" r:id="rId7"/>
-    <p:sldId id="310" r:id="rId8"/>
-    <p:sldId id="314" r:id="rId9"/>
-    <p:sldId id="315" r:id="rId10"/>
-    <p:sldId id="316" r:id="rId11"/>
-    <p:sldId id="285" r:id="rId12"/>
+    <p:sldId id="317" r:id="rId5"/>
+    <p:sldId id="321" r:id="rId6"/>
+    <p:sldId id="318" r:id="rId7"/>
+    <p:sldId id="319" r:id="rId8"/>
+    <p:sldId id="320" r:id="rId9"/>
+    <p:sldId id="309" r:id="rId10"/>
+    <p:sldId id="312" r:id="rId11"/>
+    <p:sldId id="313" r:id="rId12"/>
+    <p:sldId id="310" r:id="rId13"/>
+    <p:sldId id="314" r:id="rId14"/>
+    <p:sldId id="315" r:id="rId15"/>
+    <p:sldId id="316" r:id="rId16"/>
+    <p:sldId id="285" r:id="rId17"/>
   </p:sldIdLst>
   <p:sldSz cx="9144000" cy="5143500" type="screen16x9"/>
   <p:notesSz cx="6858000" cy="9144000"/>
@@ -945,7 +950,7 @@
               <a:pPr>
                 <a:defRPr/>
               </a:pPr>
-              <a:t>3</a:t>
+              <a:t>8</a:t>
             </a:fld>
             <a:endParaRPr lang="de-DE" altLang="de-DE" dirty="0"/>
           </a:p>
@@ -1088,7 +1093,7 @@
               <a:pPr>
                 <a:defRPr/>
               </a:pPr>
-              <a:t>4</a:t>
+              <a:t>9</a:t>
             </a:fld>
             <a:endParaRPr lang="de-DE" altLang="de-DE" dirty="0"/>
           </a:p>
@@ -1247,7 +1252,7 @@
               <a:pPr>
                 <a:defRPr/>
               </a:pPr>
-              <a:t>5</a:t>
+              <a:t>10</a:t>
             </a:fld>
             <a:endParaRPr lang="de-DE" altLang="de-DE" dirty="0"/>
           </a:p>
@@ -1354,7 +1359,7 @@
               <a:pPr>
                 <a:defRPr/>
               </a:pPr>
-              <a:t>6</a:t>
+              <a:t>11</a:t>
             </a:fld>
             <a:endParaRPr lang="de-DE" altLang="de-DE" dirty="0"/>
           </a:p>
@@ -1485,7 +1490,7 @@
               <a:pPr>
                 <a:defRPr/>
               </a:pPr>
-              <a:t>7</a:t>
+              <a:t>12</a:t>
             </a:fld>
             <a:endParaRPr lang="de-DE" altLang="de-DE" dirty="0"/>
           </a:p>
@@ -1639,7 +1644,7 @@
               <a:pPr>
                 <a:defRPr/>
               </a:pPr>
-              <a:t>8</a:t>
+              <a:t>13</a:t>
             </a:fld>
             <a:endParaRPr lang="de-DE" altLang="de-DE" dirty="0"/>
           </a:p>
@@ -1793,7 +1798,7 @@
               <a:pPr>
                 <a:defRPr/>
               </a:pPr>
-              <a:t>9</a:t>
+              <a:t>14</a:t>
             </a:fld>
             <a:endParaRPr lang="de-DE" altLang="de-DE" dirty="0"/>
           </a:p>
@@ -8124,6 +8129,856 @@
   <p:cSld>
     <p:spTree>
       <p:nvGrpSpPr>
+        <p:cNvPr id="1" name="">
+          <a:extLst>
+            <a:ext uri="{FF2B5EF4-FFF2-40B4-BE49-F238E27FC236}">
+              <a16:creationId xmlns:a16="http://schemas.microsoft.com/office/drawing/2014/main" id="{A0BCBF1D-643A-23AE-42FE-D58EACB98C6A}"/>
+            </a:ext>
+          </a:extLst>
+        </p:cNvPr>
+        <p:cNvGrpSpPr/>
+        <p:nvPr/>
+      </p:nvGrpSpPr>
+      <p:grpSpPr>
+        <a:xfrm>
+          <a:off x="0" y="0"/>
+          <a:ext cx="0" cy="0"/>
+          <a:chOff x="0" y="0"/>
+          <a:chExt cx="0" cy="0"/>
+        </a:xfrm>
+      </p:grpSpPr>
+      <p:sp>
+        <p:nvSpPr>
+          <p:cNvPr id="2" name="Title 1">
+            <a:extLst>
+              <a:ext uri="{FF2B5EF4-FFF2-40B4-BE49-F238E27FC236}">
+                <a16:creationId xmlns:a16="http://schemas.microsoft.com/office/drawing/2014/main" id="{08EC4255-A61D-FBCD-56C5-E7B18B85D082}"/>
+              </a:ext>
+            </a:extLst>
+          </p:cNvPr>
+          <p:cNvSpPr>
+            <a:spLocks noGrp="1"/>
+          </p:cNvSpPr>
+          <p:nvPr>
+            <p:ph type="title"/>
+          </p:nvPr>
+        </p:nvSpPr>
+        <p:spPr/>
+        <p:txBody>
+          <a:bodyPr/>
+          <a:lstStyle/>
+          <a:p>
+            <a:r>
+              <a:rPr lang="en-US" dirty="0"/>
+              <a:t>Invariant analysis</a:t>
+            </a:r>
+          </a:p>
+        </p:txBody>
+      </p:sp>
+      <p:sp>
+        <p:nvSpPr>
+          <p:cNvPr id="4" name="Slide Number Placeholder 3">
+            <a:extLst>
+              <a:ext uri="{FF2B5EF4-FFF2-40B4-BE49-F238E27FC236}">
+                <a16:creationId xmlns:a16="http://schemas.microsoft.com/office/drawing/2014/main" id="{C8B06F0E-89D3-91A5-A940-579162552C8A}"/>
+              </a:ext>
+            </a:extLst>
+          </p:cNvPr>
+          <p:cNvSpPr>
+            <a:spLocks noGrp="1"/>
+          </p:cNvSpPr>
+          <p:nvPr>
+            <p:ph type="sldNum" sz="quarter" idx="4"/>
+          </p:nvPr>
+        </p:nvSpPr>
+        <p:spPr/>
+        <p:txBody>
+          <a:bodyPr/>
+          <a:lstStyle/>
+          <a:p>
+            <a:pPr>
+              <a:defRPr/>
+            </a:pPr>
+            <a:fld id="{AFCF9BA9-AB08-46E1-A235-3AC71B2FE2C1}" type="slidenum">
+              <a:rPr lang="de-DE" altLang="de-DE" sz="1000" smtClean="0">
+                <a:solidFill>
+                  <a:srgbClr val="D8413E"/>
+                </a:solidFill>
+                <a:latin typeface="Arial" panose="020B0604020202020204" pitchFamily="34" charset="0"/>
+                <a:cs typeface="Arial" panose="020B0604020202020204" pitchFamily="34" charset="0"/>
+              </a:rPr>
+              <a:pPr>
+                <a:defRPr/>
+              </a:pPr>
+              <a:t>10</a:t>
+            </a:fld>
+            <a:endParaRPr lang="de-DE" altLang="de-DE" sz="1000" dirty="0">
+              <a:solidFill>
+                <a:srgbClr val="D8413E"/>
+              </a:solidFill>
+              <a:latin typeface="Arial" panose="020B0604020202020204" pitchFamily="34" charset="0"/>
+              <a:cs typeface="Arial" panose="020B0604020202020204" pitchFamily="34" charset="0"/>
+            </a:endParaRPr>
+          </a:p>
+        </p:txBody>
+      </p:sp>
+      <p:pic>
+        <p:nvPicPr>
+          <p:cNvPr id="8" name="Content Placeholder 7">
+            <a:extLst>
+              <a:ext uri="{FF2B5EF4-FFF2-40B4-BE49-F238E27FC236}">
+                <a16:creationId xmlns:a16="http://schemas.microsoft.com/office/drawing/2014/main" id="{CC10C478-DDD0-5C25-A4B0-5CFEB948E46C}"/>
+              </a:ext>
+            </a:extLst>
+          </p:cNvPr>
+          <p:cNvPicPr>
+            <a:picLocks noGrp="1" noChangeAspect="1"/>
+          </p:cNvPicPr>
+          <p:nvPr>
+            <p:ph idx="1"/>
+          </p:nvPr>
+        </p:nvPicPr>
+        <p:blipFill>
+          <a:blip r:embed="rId3"/>
+          <a:stretch>
+            <a:fillRect/>
+          </a:stretch>
+        </p:blipFill>
+        <p:spPr>
+          <a:xfrm>
+            <a:off x="1742992" y="1223963"/>
+            <a:ext cx="5662779" cy="3378200"/>
+          </a:xfrm>
+        </p:spPr>
+      </p:pic>
+    </p:spTree>
+    <p:extLst>
+      <p:ext uri="{BB962C8B-B14F-4D97-AF65-F5344CB8AC3E}">
+        <p14:creationId xmlns:p14="http://schemas.microsoft.com/office/powerpoint/2010/main" val="4288407192"/>
+      </p:ext>
+    </p:extLst>
+  </p:cSld>
+  <p:clrMapOvr>
+    <a:masterClrMapping/>
+  </p:clrMapOvr>
+</p:sld>
+</file>
+
+<file path=ppt/slides/slide11.xml><?xml version="1.0" encoding="utf-8"?>
+<p:sld xmlns:a="http://schemas.openxmlformats.org/drawingml/2006/main" xmlns:r="http://schemas.openxmlformats.org/officeDocument/2006/relationships" xmlns:p="http://schemas.openxmlformats.org/presentationml/2006/main">
+  <p:cSld>
+    <p:spTree>
+      <p:nvGrpSpPr>
+        <p:cNvPr id="1" name=""/>
+        <p:cNvGrpSpPr/>
+        <p:nvPr/>
+      </p:nvGrpSpPr>
+      <p:grpSpPr>
+        <a:xfrm>
+          <a:off x="0" y="0"/>
+          <a:ext cx="0" cy="0"/>
+          <a:chOff x="0" y="0"/>
+          <a:chExt cx="0" cy="0"/>
+        </a:xfrm>
+      </p:grpSpPr>
+      <p:sp>
+        <p:nvSpPr>
+          <p:cNvPr id="2" name="Title 1">
+            <a:extLst>
+              <a:ext uri="{FF2B5EF4-FFF2-40B4-BE49-F238E27FC236}">
+                <a16:creationId xmlns:a16="http://schemas.microsoft.com/office/drawing/2014/main" id="{C6C60A20-1BF3-1F91-B422-B64ECA07E72C}"/>
+              </a:ext>
+            </a:extLst>
+          </p:cNvPr>
+          <p:cNvSpPr>
+            <a:spLocks noGrp="1"/>
+          </p:cNvSpPr>
+          <p:nvPr>
+            <p:ph type="title"/>
+          </p:nvPr>
+        </p:nvSpPr>
+        <p:spPr/>
+        <p:txBody>
+          <a:bodyPr/>
+          <a:lstStyle/>
+          <a:p>
+            <a:r>
+              <a:rPr lang="en-US" dirty="0"/>
+              <a:t>Isomorphism Analysis</a:t>
+            </a:r>
+          </a:p>
+        </p:txBody>
+      </p:sp>
+      <p:sp>
+        <p:nvSpPr>
+          <p:cNvPr id="4" name="Slide Number Placeholder 3">
+            <a:extLst>
+              <a:ext uri="{FF2B5EF4-FFF2-40B4-BE49-F238E27FC236}">
+                <a16:creationId xmlns:a16="http://schemas.microsoft.com/office/drawing/2014/main" id="{B82F3E0A-CEF1-ED05-2B20-3E3EB8595C5B}"/>
+              </a:ext>
+            </a:extLst>
+          </p:cNvPr>
+          <p:cNvSpPr>
+            <a:spLocks noGrp="1"/>
+          </p:cNvSpPr>
+          <p:nvPr>
+            <p:ph type="sldNum" sz="quarter" idx="4"/>
+          </p:nvPr>
+        </p:nvSpPr>
+        <p:spPr/>
+        <p:txBody>
+          <a:bodyPr/>
+          <a:lstStyle/>
+          <a:p>
+            <a:pPr>
+              <a:defRPr/>
+            </a:pPr>
+            <a:fld id="{AFCF9BA9-AB08-46E1-A235-3AC71B2FE2C1}" type="slidenum">
+              <a:rPr lang="de-DE" altLang="de-DE" sz="1000" smtClean="0">
+                <a:solidFill>
+                  <a:srgbClr val="D8413E"/>
+                </a:solidFill>
+                <a:latin typeface="Arial" panose="020B0604020202020204" pitchFamily="34" charset="0"/>
+                <a:cs typeface="Arial" panose="020B0604020202020204" pitchFamily="34" charset="0"/>
+              </a:rPr>
+              <a:pPr>
+                <a:defRPr/>
+              </a:pPr>
+              <a:t>11</a:t>
+            </a:fld>
+            <a:endParaRPr lang="de-DE" altLang="de-DE" sz="1000" dirty="0">
+              <a:solidFill>
+                <a:srgbClr val="D8413E"/>
+              </a:solidFill>
+              <a:latin typeface="Arial" panose="020B0604020202020204" pitchFamily="34" charset="0"/>
+              <a:cs typeface="Arial" panose="020B0604020202020204" pitchFamily="34" charset="0"/>
+            </a:endParaRPr>
+          </a:p>
+        </p:txBody>
+      </p:sp>
+      <p:pic>
+        <p:nvPicPr>
+          <p:cNvPr id="20" name="Content Placeholder 19">
+            <a:extLst>
+              <a:ext uri="{FF2B5EF4-FFF2-40B4-BE49-F238E27FC236}">
+                <a16:creationId xmlns:a16="http://schemas.microsoft.com/office/drawing/2014/main" id="{256F364D-E898-5EB6-06AD-4D92C5769BF6}"/>
+              </a:ext>
+            </a:extLst>
+          </p:cNvPr>
+          <p:cNvPicPr>
+            <a:picLocks noGrp="1" noChangeAspect="1"/>
+          </p:cNvPicPr>
+          <p:nvPr>
+            <p:ph idx="1"/>
+          </p:nvPr>
+        </p:nvPicPr>
+        <p:blipFill>
+          <a:blip r:embed="rId3"/>
+          <a:stretch>
+            <a:fillRect/>
+          </a:stretch>
+        </p:blipFill>
+        <p:spPr>
+          <a:xfrm>
+            <a:off x="1742992" y="1223963"/>
+            <a:ext cx="5662779" cy="3378200"/>
+          </a:xfrm>
+        </p:spPr>
+      </p:pic>
+    </p:spTree>
+    <p:extLst>
+      <p:ext uri="{BB962C8B-B14F-4D97-AF65-F5344CB8AC3E}">
+        <p14:creationId xmlns:p14="http://schemas.microsoft.com/office/powerpoint/2010/main" val="3008518759"/>
+      </p:ext>
+    </p:extLst>
+  </p:cSld>
+  <p:clrMapOvr>
+    <a:masterClrMapping/>
+  </p:clrMapOvr>
+</p:sld>
+</file>
+
+<file path=ppt/slides/slide12.xml><?xml version="1.0" encoding="utf-8"?>
+<p:sld xmlns:a="http://schemas.openxmlformats.org/drawingml/2006/main" xmlns:r="http://schemas.openxmlformats.org/officeDocument/2006/relationships" xmlns:p="http://schemas.openxmlformats.org/presentationml/2006/main">
+  <p:cSld>
+    <p:spTree>
+      <p:nvGrpSpPr>
+        <p:cNvPr id="1" name="">
+          <a:extLst>
+            <a:ext uri="{FF2B5EF4-FFF2-40B4-BE49-F238E27FC236}">
+              <a16:creationId xmlns:a16="http://schemas.microsoft.com/office/drawing/2014/main" id="{CF09C2AD-E4BC-290A-36B0-A9541B7BC712}"/>
+            </a:ext>
+          </a:extLst>
+        </p:cNvPr>
+        <p:cNvGrpSpPr/>
+        <p:nvPr/>
+      </p:nvGrpSpPr>
+      <p:grpSpPr>
+        <a:xfrm>
+          <a:off x="0" y="0"/>
+          <a:ext cx="0" cy="0"/>
+          <a:chOff x="0" y="0"/>
+          <a:chExt cx="0" cy="0"/>
+        </a:xfrm>
+      </p:grpSpPr>
+      <p:sp>
+        <p:nvSpPr>
+          <p:cNvPr id="2" name="Title 1">
+            <a:extLst>
+              <a:ext uri="{FF2B5EF4-FFF2-40B4-BE49-F238E27FC236}">
+                <a16:creationId xmlns:a16="http://schemas.microsoft.com/office/drawing/2014/main" id="{396E335F-D4AC-FE5A-EC4D-4CFDA9893392}"/>
+              </a:ext>
+            </a:extLst>
+          </p:cNvPr>
+          <p:cNvSpPr>
+            <a:spLocks noGrp="1"/>
+          </p:cNvSpPr>
+          <p:nvPr>
+            <p:ph type="title"/>
+          </p:nvPr>
+        </p:nvSpPr>
+        <p:spPr/>
+        <p:txBody>
+          <a:bodyPr/>
+          <a:lstStyle/>
+          <a:p>
+            <a:r>
+              <a:rPr lang="en-US" dirty="0"/>
+              <a:t>Isomorphism Analysis</a:t>
+            </a:r>
+          </a:p>
+        </p:txBody>
+      </p:sp>
+      <p:sp>
+        <p:nvSpPr>
+          <p:cNvPr id="4" name="Slide Number Placeholder 3">
+            <a:extLst>
+              <a:ext uri="{FF2B5EF4-FFF2-40B4-BE49-F238E27FC236}">
+                <a16:creationId xmlns:a16="http://schemas.microsoft.com/office/drawing/2014/main" id="{F0CF1135-1F1F-348B-201B-6A88DE1C42DE}"/>
+              </a:ext>
+            </a:extLst>
+          </p:cNvPr>
+          <p:cNvSpPr>
+            <a:spLocks noGrp="1"/>
+          </p:cNvSpPr>
+          <p:nvPr>
+            <p:ph type="sldNum" sz="quarter" idx="4"/>
+          </p:nvPr>
+        </p:nvSpPr>
+        <p:spPr/>
+        <p:txBody>
+          <a:bodyPr/>
+          <a:lstStyle/>
+          <a:p>
+            <a:pPr>
+              <a:defRPr/>
+            </a:pPr>
+            <a:fld id="{AFCF9BA9-AB08-46E1-A235-3AC71B2FE2C1}" type="slidenum">
+              <a:rPr lang="de-DE" altLang="de-DE" sz="1000" smtClean="0">
+                <a:solidFill>
+                  <a:srgbClr val="D8413E"/>
+                </a:solidFill>
+                <a:latin typeface="Arial" panose="020B0604020202020204" pitchFamily="34" charset="0"/>
+                <a:cs typeface="Arial" panose="020B0604020202020204" pitchFamily="34" charset="0"/>
+              </a:rPr>
+              <a:pPr>
+                <a:defRPr/>
+              </a:pPr>
+              <a:t>12</a:t>
+            </a:fld>
+            <a:endParaRPr lang="de-DE" altLang="de-DE" sz="1000" dirty="0">
+              <a:solidFill>
+                <a:srgbClr val="D8413E"/>
+              </a:solidFill>
+              <a:latin typeface="Arial" panose="020B0604020202020204" pitchFamily="34" charset="0"/>
+              <a:cs typeface="Arial" panose="020B0604020202020204" pitchFamily="34" charset="0"/>
+            </a:endParaRPr>
+          </a:p>
+        </p:txBody>
+      </p:sp>
+      <p:pic>
+        <p:nvPicPr>
+          <p:cNvPr id="7" name="Content Placeholder 6">
+            <a:extLst>
+              <a:ext uri="{FF2B5EF4-FFF2-40B4-BE49-F238E27FC236}">
+                <a16:creationId xmlns:a16="http://schemas.microsoft.com/office/drawing/2014/main" id="{7EFB9219-7F5C-E0FB-621F-8406BECE1A48}"/>
+              </a:ext>
+            </a:extLst>
+          </p:cNvPr>
+          <p:cNvPicPr>
+            <a:picLocks noGrp="1" noChangeAspect="1"/>
+          </p:cNvPicPr>
+          <p:nvPr>
+            <p:ph idx="1"/>
+          </p:nvPr>
+        </p:nvPicPr>
+        <p:blipFill>
+          <a:blip r:embed="rId3"/>
+          <a:stretch>
+            <a:fillRect/>
+          </a:stretch>
+        </p:blipFill>
+        <p:spPr>
+          <a:xfrm>
+            <a:off x="2030041" y="1223963"/>
+            <a:ext cx="5088681" cy="3378200"/>
+          </a:xfrm>
+        </p:spPr>
+      </p:pic>
+      <p:sp>
+        <p:nvSpPr>
+          <p:cNvPr id="3" name="TextBox 2">
+            <a:extLst>
+              <a:ext uri="{FF2B5EF4-FFF2-40B4-BE49-F238E27FC236}">
+                <a16:creationId xmlns:a16="http://schemas.microsoft.com/office/drawing/2014/main" id="{BE0826BE-6717-FB01-435B-20EBCE61D173}"/>
+              </a:ext>
+            </a:extLst>
+          </p:cNvPr>
+          <p:cNvSpPr txBox="1"/>
+          <p:nvPr/>
+        </p:nvSpPr>
+        <p:spPr>
+          <a:xfrm>
+            <a:off x="7456244" y="3829846"/>
+            <a:ext cx="984737" cy="553998"/>
+          </a:xfrm>
+          <a:prstGeom prst="rect">
+            <a:avLst/>
+          </a:prstGeom>
+          <a:noFill/>
+        </p:spPr>
+        <p:txBody>
+          <a:bodyPr wrap="square" lIns="0" tIns="0" rIns="0" bIns="0" rtlCol="0">
+            <a:spAutoFit/>
+          </a:bodyPr>
+          <a:lstStyle/>
+          <a:p>
+            <a:r>
+              <a:rPr lang="en-US" dirty="0">
+                <a:latin typeface="+mn-lt"/>
+                <a:cs typeface="Arial" panose="020B0604020202020204" pitchFamily="34" charset="0"/>
+              </a:rPr>
+              <a:t>s</a:t>
+            </a:r>
+            <a:r>
+              <a:rPr lang="en-US" i="0" dirty="0">
+                <a:latin typeface="+mn-lt"/>
+                <a:cs typeface="Arial" panose="020B0604020202020204" pitchFamily="34" charset="0"/>
+              </a:rPr>
+              <a:t>peedup</a:t>
+            </a:r>
+          </a:p>
+          <a:p>
+            <a:r>
+              <a:rPr lang="en-US" i="0" dirty="0">
+                <a:latin typeface="+mn-lt"/>
+                <a:cs typeface="Arial" panose="020B0604020202020204" pitchFamily="34" charset="0"/>
+              </a:rPr>
+              <a:t>&gt; 16x</a:t>
+            </a:r>
+          </a:p>
+        </p:txBody>
+      </p:sp>
+    </p:spTree>
+    <p:extLst>
+      <p:ext uri="{BB962C8B-B14F-4D97-AF65-F5344CB8AC3E}">
+        <p14:creationId xmlns:p14="http://schemas.microsoft.com/office/powerpoint/2010/main" val="3045307639"/>
+      </p:ext>
+    </p:extLst>
+  </p:cSld>
+  <p:clrMapOvr>
+    <a:masterClrMapping/>
+  </p:clrMapOvr>
+</p:sld>
+</file>
+
+<file path=ppt/slides/slide13.xml><?xml version="1.0" encoding="utf-8"?>
+<p:sld xmlns:a="http://schemas.openxmlformats.org/drawingml/2006/main" xmlns:r="http://schemas.openxmlformats.org/officeDocument/2006/relationships" xmlns:p="http://schemas.openxmlformats.org/presentationml/2006/main">
+  <p:cSld>
+    <p:spTree>
+      <p:nvGrpSpPr>
+        <p:cNvPr id="1" name="">
+          <a:extLst>
+            <a:ext uri="{FF2B5EF4-FFF2-40B4-BE49-F238E27FC236}">
+              <a16:creationId xmlns:a16="http://schemas.microsoft.com/office/drawing/2014/main" id="{3EC56335-DACF-F40D-942D-F20F4493E5E6}"/>
+            </a:ext>
+          </a:extLst>
+        </p:cNvPr>
+        <p:cNvGrpSpPr/>
+        <p:nvPr/>
+      </p:nvGrpSpPr>
+      <p:grpSpPr>
+        <a:xfrm>
+          <a:off x="0" y="0"/>
+          <a:ext cx="0" cy="0"/>
+          <a:chOff x="0" y="0"/>
+          <a:chExt cx="0" cy="0"/>
+        </a:xfrm>
+      </p:grpSpPr>
+      <p:sp>
+        <p:nvSpPr>
+          <p:cNvPr id="2" name="Title 1">
+            <a:extLst>
+              <a:ext uri="{FF2B5EF4-FFF2-40B4-BE49-F238E27FC236}">
+                <a16:creationId xmlns:a16="http://schemas.microsoft.com/office/drawing/2014/main" id="{9E3DAA5B-6969-59D1-032A-CF49429F8E35}"/>
+              </a:ext>
+            </a:extLst>
+          </p:cNvPr>
+          <p:cNvSpPr>
+            <a:spLocks noGrp="1"/>
+          </p:cNvSpPr>
+          <p:nvPr>
+            <p:ph type="title"/>
+          </p:nvPr>
+        </p:nvSpPr>
+        <p:spPr/>
+        <p:txBody>
+          <a:bodyPr/>
+          <a:lstStyle/>
+          <a:p>
+            <a:r>
+              <a:rPr lang="en-US" dirty="0"/>
+              <a:t>Isomorphism Scaling Analysis</a:t>
+            </a:r>
+          </a:p>
+        </p:txBody>
+      </p:sp>
+      <p:sp>
+        <p:nvSpPr>
+          <p:cNvPr id="4" name="Slide Number Placeholder 3">
+            <a:extLst>
+              <a:ext uri="{FF2B5EF4-FFF2-40B4-BE49-F238E27FC236}">
+                <a16:creationId xmlns:a16="http://schemas.microsoft.com/office/drawing/2014/main" id="{AADBF0A8-EEC6-2D2A-36E3-6E3DCD0F54A6}"/>
+              </a:ext>
+            </a:extLst>
+          </p:cNvPr>
+          <p:cNvSpPr>
+            <a:spLocks noGrp="1"/>
+          </p:cNvSpPr>
+          <p:nvPr>
+            <p:ph type="sldNum" sz="quarter" idx="4"/>
+          </p:nvPr>
+        </p:nvSpPr>
+        <p:spPr/>
+        <p:txBody>
+          <a:bodyPr/>
+          <a:lstStyle/>
+          <a:p>
+            <a:pPr>
+              <a:defRPr/>
+            </a:pPr>
+            <a:fld id="{AFCF9BA9-AB08-46E1-A235-3AC71B2FE2C1}" type="slidenum">
+              <a:rPr lang="de-DE" altLang="de-DE" sz="1000" smtClean="0">
+                <a:solidFill>
+                  <a:srgbClr val="D8413E"/>
+                </a:solidFill>
+                <a:latin typeface="Arial" panose="020B0604020202020204" pitchFamily="34" charset="0"/>
+                <a:cs typeface="Arial" panose="020B0604020202020204" pitchFamily="34" charset="0"/>
+              </a:rPr>
+              <a:pPr>
+                <a:defRPr/>
+              </a:pPr>
+              <a:t>13</a:t>
+            </a:fld>
+            <a:endParaRPr lang="de-DE" altLang="de-DE" sz="1000" dirty="0">
+              <a:solidFill>
+                <a:srgbClr val="D8413E"/>
+              </a:solidFill>
+              <a:latin typeface="Arial" panose="020B0604020202020204" pitchFamily="34" charset="0"/>
+              <a:cs typeface="Arial" panose="020B0604020202020204" pitchFamily="34" charset="0"/>
+            </a:endParaRPr>
+          </a:p>
+        </p:txBody>
+      </p:sp>
+      <p:pic>
+        <p:nvPicPr>
+          <p:cNvPr id="12" name="Content Placeholder 11">
+            <a:extLst>
+              <a:ext uri="{FF2B5EF4-FFF2-40B4-BE49-F238E27FC236}">
+                <a16:creationId xmlns:a16="http://schemas.microsoft.com/office/drawing/2014/main" id="{E60D701A-BDC9-8CD3-1C7A-352EF41F0A46}"/>
+              </a:ext>
+            </a:extLst>
+          </p:cNvPr>
+          <p:cNvPicPr>
+            <a:picLocks noGrp="1" noChangeAspect="1"/>
+          </p:cNvPicPr>
+          <p:nvPr>
+            <p:ph idx="1"/>
+          </p:nvPr>
+        </p:nvPicPr>
+        <p:blipFill>
+          <a:blip r:embed="rId3"/>
+          <a:stretch>
+            <a:fillRect/>
+          </a:stretch>
+        </p:blipFill>
+        <p:spPr>
+          <a:xfrm>
+            <a:off x="2030041" y="1223963"/>
+            <a:ext cx="5088681" cy="3378200"/>
+          </a:xfrm>
+        </p:spPr>
+      </p:pic>
+      <p:sp>
+        <p:nvSpPr>
+          <p:cNvPr id="13" name="TextBox 12">
+            <a:extLst>
+              <a:ext uri="{FF2B5EF4-FFF2-40B4-BE49-F238E27FC236}">
+                <a16:creationId xmlns:a16="http://schemas.microsoft.com/office/drawing/2014/main" id="{2E16B37E-2A31-CFBA-7189-4FA849B311AE}"/>
+              </a:ext>
+            </a:extLst>
+          </p:cNvPr>
+          <p:cNvSpPr txBox="1"/>
+          <p:nvPr/>
+        </p:nvSpPr>
+        <p:spPr>
+          <a:xfrm>
+            <a:off x="513470" y="4400359"/>
+            <a:ext cx="3513025" cy="276999"/>
+          </a:xfrm>
+          <a:prstGeom prst="rect">
+            <a:avLst/>
+          </a:prstGeom>
+          <a:noFill/>
+        </p:spPr>
+        <p:txBody>
+          <a:bodyPr wrap="square" lIns="0" tIns="0" rIns="0" bIns="0" rtlCol="0">
+            <a:spAutoFit/>
+          </a:bodyPr>
+          <a:lstStyle/>
+          <a:p>
+            <a:r>
+              <a:rPr lang="en-US" i="0" dirty="0">
+                <a:latin typeface="+mn-lt"/>
+                <a:cs typeface="Arial" panose="020B0604020202020204" pitchFamily="34" charset="0"/>
+              </a:rPr>
+              <a:t>L-Depth=0</a:t>
+            </a:r>
+          </a:p>
+        </p:txBody>
+      </p:sp>
+    </p:spTree>
+    <p:extLst>
+      <p:ext uri="{BB962C8B-B14F-4D97-AF65-F5344CB8AC3E}">
+        <p14:creationId xmlns:p14="http://schemas.microsoft.com/office/powerpoint/2010/main" val="2839351354"/>
+      </p:ext>
+    </p:extLst>
+  </p:cSld>
+  <p:clrMapOvr>
+    <a:masterClrMapping/>
+  </p:clrMapOvr>
+</p:sld>
+</file>
+
+<file path=ppt/slides/slide14.xml><?xml version="1.0" encoding="utf-8"?>
+<p:sld xmlns:a="http://schemas.openxmlformats.org/drawingml/2006/main" xmlns:r="http://schemas.openxmlformats.org/officeDocument/2006/relationships" xmlns:p="http://schemas.openxmlformats.org/presentationml/2006/main">
+  <p:cSld>
+    <p:spTree>
+      <p:nvGrpSpPr>
+        <p:cNvPr id="1" name="">
+          <a:extLst>
+            <a:ext uri="{FF2B5EF4-FFF2-40B4-BE49-F238E27FC236}">
+              <a16:creationId xmlns:a16="http://schemas.microsoft.com/office/drawing/2014/main" id="{7FDBDBD6-70D8-33EB-C3E6-3DAAC2E9A0CB}"/>
+            </a:ext>
+          </a:extLst>
+        </p:cNvPr>
+        <p:cNvGrpSpPr/>
+        <p:nvPr/>
+      </p:nvGrpSpPr>
+      <p:grpSpPr>
+        <a:xfrm>
+          <a:off x="0" y="0"/>
+          <a:ext cx="0" cy="0"/>
+          <a:chOff x="0" y="0"/>
+          <a:chExt cx="0" cy="0"/>
+        </a:xfrm>
+      </p:grpSpPr>
+      <p:sp>
+        <p:nvSpPr>
+          <p:cNvPr id="2" name="Title 1">
+            <a:extLst>
+              <a:ext uri="{FF2B5EF4-FFF2-40B4-BE49-F238E27FC236}">
+                <a16:creationId xmlns:a16="http://schemas.microsoft.com/office/drawing/2014/main" id="{3CACA46D-8CEE-859B-A63F-84DB839C1C93}"/>
+              </a:ext>
+            </a:extLst>
+          </p:cNvPr>
+          <p:cNvSpPr>
+            <a:spLocks noGrp="1"/>
+          </p:cNvSpPr>
+          <p:nvPr>
+            <p:ph type="title"/>
+          </p:nvPr>
+        </p:nvSpPr>
+        <p:spPr/>
+        <p:txBody>
+          <a:bodyPr/>
+          <a:lstStyle/>
+          <a:p>
+            <a:r>
+              <a:rPr lang="en-US" dirty="0"/>
+              <a:t>CONCLUSION</a:t>
+            </a:r>
+          </a:p>
+        </p:txBody>
+      </p:sp>
+      <p:sp>
+        <p:nvSpPr>
+          <p:cNvPr id="4" name="Slide Number Placeholder 3">
+            <a:extLst>
+              <a:ext uri="{FF2B5EF4-FFF2-40B4-BE49-F238E27FC236}">
+                <a16:creationId xmlns:a16="http://schemas.microsoft.com/office/drawing/2014/main" id="{2B576968-69FC-418A-812A-2C13029E0F91}"/>
+              </a:ext>
+            </a:extLst>
+          </p:cNvPr>
+          <p:cNvSpPr>
+            <a:spLocks noGrp="1"/>
+          </p:cNvSpPr>
+          <p:nvPr>
+            <p:ph type="sldNum" sz="quarter" idx="4"/>
+          </p:nvPr>
+        </p:nvSpPr>
+        <p:spPr/>
+        <p:txBody>
+          <a:bodyPr/>
+          <a:lstStyle/>
+          <a:p>
+            <a:pPr>
+              <a:defRPr/>
+            </a:pPr>
+            <a:fld id="{AFCF9BA9-AB08-46E1-A235-3AC71B2FE2C1}" type="slidenum">
+              <a:rPr lang="de-DE" altLang="de-DE" sz="1000" smtClean="0">
+                <a:solidFill>
+                  <a:srgbClr val="D8413E"/>
+                </a:solidFill>
+                <a:latin typeface="Arial" panose="020B0604020202020204" pitchFamily="34" charset="0"/>
+                <a:cs typeface="Arial" panose="020B0604020202020204" pitchFamily="34" charset="0"/>
+              </a:rPr>
+              <a:pPr>
+                <a:defRPr/>
+              </a:pPr>
+              <a:t>14</a:t>
+            </a:fld>
+            <a:endParaRPr lang="de-DE" altLang="de-DE" sz="1000" dirty="0">
+              <a:solidFill>
+                <a:srgbClr val="D8413E"/>
+              </a:solidFill>
+              <a:latin typeface="Arial" panose="020B0604020202020204" pitchFamily="34" charset="0"/>
+              <a:cs typeface="Arial" panose="020B0604020202020204" pitchFamily="34" charset="0"/>
+            </a:endParaRPr>
+          </a:p>
+        </p:txBody>
+      </p:sp>
+      <p:sp>
+        <p:nvSpPr>
+          <p:cNvPr id="5" name="Content Placeholder 4">
+            <a:extLst>
+              <a:ext uri="{FF2B5EF4-FFF2-40B4-BE49-F238E27FC236}">
+                <a16:creationId xmlns:a16="http://schemas.microsoft.com/office/drawing/2014/main" id="{4CA1B370-0E3F-7085-F4A0-B0163881842A}"/>
+              </a:ext>
+            </a:extLst>
+          </p:cNvPr>
+          <p:cNvSpPr>
+            <a:spLocks noGrp="1"/>
+          </p:cNvSpPr>
+          <p:nvPr>
+            <p:ph idx="1"/>
+          </p:nvPr>
+        </p:nvSpPr>
+        <p:spPr/>
+        <p:txBody>
+          <a:bodyPr/>
+          <a:lstStyle/>
+          <a:p>
+            <a:r>
+              <a:rPr lang="en-US" dirty="0"/>
+              <a:t>Number of clusters and number of total reactions scale </a:t>
+            </a:r>
+            <a:r>
+              <a:rPr lang="en-US"/>
+              <a:t>differently </a:t>
+            </a:r>
+          </a:p>
+          <a:p>
+            <a:r>
+              <a:rPr lang="en-US"/>
+              <a:t>Label </a:t>
+            </a:r>
+            <a:r>
+              <a:rPr lang="en-US" dirty="0"/>
+              <a:t>Histograms and </a:t>
+            </a:r>
+            <a:r>
+              <a:rPr lang="en-US" dirty="0" err="1"/>
+              <a:t>Weisfeiler</a:t>
+            </a:r>
+            <a:r>
+              <a:rPr lang="en-US" dirty="0"/>
+              <a:t> Lehmann Graph Hash are the best invariants</a:t>
+            </a:r>
+          </a:p>
+          <a:p>
+            <a:pPr lvl="1"/>
+            <a:r>
+              <a:rPr lang="en-US" dirty="0"/>
+              <a:t>Linear scaling for increasing number of reactions</a:t>
+            </a:r>
+          </a:p>
+          <a:p>
+            <a:pPr lvl="1"/>
+            <a:r>
+              <a:rPr lang="en-US" dirty="0"/>
+              <a:t>Exponential scaling for increasing L Depths</a:t>
+            </a:r>
+          </a:p>
+          <a:p>
+            <a:r>
+              <a:rPr lang="en-US" dirty="0"/>
+              <a:t>Edge Label with Nodes Histogram has the lowest total execution time</a:t>
+            </a:r>
+          </a:p>
+          <a:p>
+            <a:r>
+              <a:rPr lang="en-US" dirty="0"/>
+              <a:t>Node Label Histogram produces many clusters in short time</a:t>
+            </a:r>
+          </a:p>
+          <a:p>
+            <a:r>
+              <a:rPr lang="en-US" dirty="0" err="1"/>
+              <a:t>Weisfeiler</a:t>
+            </a:r>
+            <a:r>
+              <a:rPr lang="en-US" dirty="0"/>
+              <a:t> Lehman Graph Hash finds with 3 Iterations all clusters for</a:t>
+            </a:r>
+            <a:br>
+              <a:rPr lang="en-US" dirty="0"/>
+            </a:br>
+            <a:r>
+              <a:rPr lang="en-US" dirty="0"/>
+              <a:t>L-Depth 0-2</a:t>
+            </a:r>
+          </a:p>
+        </p:txBody>
+      </p:sp>
+    </p:spTree>
+    <p:extLst>
+      <p:ext uri="{BB962C8B-B14F-4D97-AF65-F5344CB8AC3E}">
+        <p14:creationId xmlns:p14="http://schemas.microsoft.com/office/powerpoint/2010/main" val="855097008"/>
+      </p:ext>
+    </p:extLst>
+  </p:cSld>
+  <p:clrMapOvr>
+    <a:masterClrMapping/>
+  </p:clrMapOvr>
+</p:sld>
+</file>
+
+<file path=ppt/slides/slide15.xml><?xml version="1.0" encoding="utf-8"?>
+<p:sld xmlns:a="http://schemas.openxmlformats.org/drawingml/2006/main" xmlns:r="http://schemas.openxmlformats.org/officeDocument/2006/relationships" xmlns:p="http://schemas.openxmlformats.org/presentationml/2006/main">
+  <p:cSld>
+    <p:spTree>
+      <p:nvGrpSpPr>
         <p:cNvPr id="1" name=""/>
         <p:cNvGrpSpPr/>
         <p:nvPr/>
@@ -8385,7 +9240,7 @@
           <p:cNvPr id="2" name="Title 1">
             <a:extLst>
               <a:ext uri="{FF2B5EF4-FFF2-40B4-BE49-F238E27FC236}">
-                <a16:creationId xmlns:a16="http://schemas.microsoft.com/office/drawing/2014/main" id="{30E23CF0-A850-7B63-6CB5-8ED64597561F}"/>
+                <a16:creationId xmlns:a16="http://schemas.microsoft.com/office/drawing/2014/main" id="{E90C6AFE-200F-0114-AE9B-41264D8F8056}"/>
               </a:ext>
             </a:extLst>
           </p:cNvPr>
@@ -8403,8 +9258,91 @@
           <a:p>
             <a:r>
               <a:rPr lang="en-US" dirty="0"/>
-              <a:t>Invariant analysis</a:t>
-            </a:r>
+              <a:t>Invariants</a:t>
+            </a:r>
+          </a:p>
+        </p:txBody>
+      </p:sp>
+      <p:sp>
+        <p:nvSpPr>
+          <p:cNvPr id="3" name="Content Placeholder 2">
+            <a:extLst>
+              <a:ext uri="{FF2B5EF4-FFF2-40B4-BE49-F238E27FC236}">
+                <a16:creationId xmlns:a16="http://schemas.microsoft.com/office/drawing/2014/main" id="{C3202033-03FD-D812-76D0-183289142184}"/>
+              </a:ext>
+            </a:extLst>
+          </p:cNvPr>
+          <p:cNvSpPr>
+            <a:spLocks noGrp="1"/>
+          </p:cNvSpPr>
+          <p:nvPr>
+            <p:ph idx="1"/>
+          </p:nvPr>
+        </p:nvSpPr>
+        <p:spPr/>
+        <p:txBody>
+          <a:bodyPr/>
+          <a:lstStyle/>
+          <a:p>
+            <a:r>
+              <a:rPr lang="en-US" dirty="0"/>
+              <a:t>Vertex Count</a:t>
+            </a:r>
+          </a:p>
+          <a:p>
+            <a:r>
+              <a:rPr lang="en-US" dirty="0"/>
+              <a:t>Edge Count</a:t>
+            </a:r>
+          </a:p>
+          <a:p>
+            <a:r>
+              <a:rPr lang="en-US" dirty="0"/>
+              <a:t>Vertex Degrees</a:t>
+            </a:r>
+          </a:p>
+          <a:p>
+            <a:r>
+              <a:rPr lang="en-US" dirty="0"/>
+              <a:t>Rank</a:t>
+            </a:r>
+          </a:p>
+          <a:p>
+            <a:r>
+              <a:rPr lang="en-US" dirty="0"/>
+              <a:t>Edge Label Histogram</a:t>
+            </a:r>
+          </a:p>
+          <a:p>
+            <a:r>
+              <a:rPr lang="en-US" dirty="0"/>
+              <a:t>Node Label Histogram</a:t>
+            </a:r>
+          </a:p>
+          <a:p>
+            <a:r>
+              <a:rPr lang="en-US" dirty="0"/>
+              <a:t>Node Label with Edges Histogram</a:t>
+            </a:r>
+          </a:p>
+          <a:p>
+            <a:r>
+              <a:rPr lang="en-US" dirty="0"/>
+              <a:t>Edge Label with Nodes Histogram</a:t>
+            </a:r>
+          </a:p>
+          <a:p>
+            <a:r>
+              <a:rPr lang="en-US" dirty="0" err="1"/>
+              <a:t>Weisfeiler</a:t>
+            </a:r>
+            <a:r>
+              <a:rPr lang="en-US" dirty="0"/>
+              <a:t> Lehman Graph Hash (1-3 Iterations)</a:t>
+            </a:r>
+          </a:p>
+          <a:p>
+            <a:endParaRPr lang="en-US" dirty="0"/>
           </a:p>
         </p:txBody>
       </p:sp>
@@ -8413,7 +9351,7 @@
           <p:cNvPr id="4" name="Slide Number Placeholder 3">
             <a:extLst>
               <a:ext uri="{FF2B5EF4-FFF2-40B4-BE49-F238E27FC236}">
-                <a16:creationId xmlns:a16="http://schemas.microsoft.com/office/drawing/2014/main" id="{CC883BF9-028C-3532-0208-ADB7CD77E0AA}"/>
+                <a16:creationId xmlns:a16="http://schemas.microsoft.com/office/drawing/2014/main" id="{5E9ED2BB-11A0-AB6A-83C9-805DF63AC788}"/>
               </a:ext>
             </a:extLst>
           </p:cNvPr>
@@ -8455,77 +9393,10 @@
           </a:p>
         </p:txBody>
       </p:sp>
-      <p:pic>
-        <p:nvPicPr>
-          <p:cNvPr id="10" name="Content Placeholder 9">
-            <a:extLst>
-              <a:ext uri="{FF2B5EF4-FFF2-40B4-BE49-F238E27FC236}">
-                <a16:creationId xmlns:a16="http://schemas.microsoft.com/office/drawing/2014/main" id="{97F5A329-E89D-13D4-AB37-F58534775CC2}"/>
-              </a:ext>
-            </a:extLst>
-          </p:cNvPr>
-          <p:cNvPicPr>
-            <a:picLocks noGrp="1" noChangeAspect="1"/>
-          </p:cNvPicPr>
-          <p:nvPr>
-            <p:ph idx="1"/>
-          </p:nvPr>
-        </p:nvPicPr>
-        <p:blipFill>
-          <a:blip r:embed="rId3"/>
-          <a:stretch>
-            <a:fillRect/>
-          </a:stretch>
-        </p:blipFill>
-        <p:spPr>
-          <a:xfrm>
-            <a:off x="1742992" y="1223963"/>
-            <a:ext cx="5662779" cy="3378200"/>
-          </a:xfrm>
-        </p:spPr>
-      </p:pic>
-      <p:sp>
-        <p:nvSpPr>
-          <p:cNvPr id="11" name="TextBox 10">
-            <a:extLst>
-              <a:ext uri="{FF2B5EF4-FFF2-40B4-BE49-F238E27FC236}">
-                <a16:creationId xmlns:a16="http://schemas.microsoft.com/office/drawing/2014/main" id="{38A7B995-45F5-9D65-B595-916F498D5175}"/>
-              </a:ext>
-            </a:extLst>
-          </p:cNvPr>
-          <p:cNvSpPr txBox="1"/>
-          <p:nvPr/>
-        </p:nvSpPr>
-        <p:spPr>
-          <a:xfrm>
-            <a:off x="457200" y="4463663"/>
-            <a:ext cx="3513025" cy="276999"/>
-          </a:xfrm>
-          <a:prstGeom prst="rect">
-            <a:avLst/>
-          </a:prstGeom>
-          <a:noFill/>
-        </p:spPr>
-        <p:txBody>
-          <a:bodyPr wrap="square" lIns="0" tIns="0" rIns="0" bIns="0" rtlCol="0">
-            <a:spAutoFit/>
-          </a:bodyPr>
-          <a:lstStyle/>
-          <a:p>
-            <a:r>
-              <a:rPr lang="en-US" i="0" dirty="0">
-                <a:latin typeface="+mn-lt"/>
-                <a:cs typeface="Arial" panose="020B0604020202020204" pitchFamily="34" charset="0"/>
-              </a:rPr>
-              <a:t>Total number of cluster = 754</a:t>
-            </a:r>
-          </a:p>
-        </p:txBody>
-      </p:sp>
     </p:spTree>
     <p:extLst>
       <p:ext uri="{BB962C8B-B14F-4D97-AF65-F5344CB8AC3E}">
-        <p14:creationId xmlns:p14="http://schemas.microsoft.com/office/powerpoint/2010/main" val="2644610969"/>
+        <p14:creationId xmlns:p14="http://schemas.microsoft.com/office/powerpoint/2010/main" val="4194254212"/>
       </p:ext>
     </p:extLst>
   </p:cSld>
@@ -8540,13 +9411,7 @@
   <p:cSld>
     <p:spTree>
       <p:nvGrpSpPr>
-        <p:cNvPr id="1" name="">
-          <a:extLst>
-            <a:ext uri="{FF2B5EF4-FFF2-40B4-BE49-F238E27FC236}">
-              <a16:creationId xmlns:a16="http://schemas.microsoft.com/office/drawing/2014/main" id="{32DD19B1-A9C1-D509-A621-E84C6D13E1B1}"/>
-            </a:ext>
-          </a:extLst>
-        </p:cNvPr>
+        <p:cNvPr id="1" name=""/>
         <p:cNvGrpSpPr/>
         <p:nvPr/>
       </p:nvGrpSpPr>
@@ -8563,7 +9428,7 @@
           <p:cNvPr id="2" name="Title 1">
             <a:extLst>
               <a:ext uri="{FF2B5EF4-FFF2-40B4-BE49-F238E27FC236}">
-                <a16:creationId xmlns:a16="http://schemas.microsoft.com/office/drawing/2014/main" id="{738B4EF9-875C-6359-45D1-45EEEA044544}"/>
+                <a16:creationId xmlns:a16="http://schemas.microsoft.com/office/drawing/2014/main" id="{24DE2626-7D14-B425-4E2C-627EBA18EC6F}"/>
               </a:ext>
             </a:extLst>
           </p:cNvPr>
@@ -8581,17 +9446,46 @@
           <a:p>
             <a:r>
               <a:rPr lang="en-US" dirty="0"/>
-              <a:t>Invariant analysis</a:t>
-            </a:r>
-          </a:p>
-        </p:txBody>
-      </p:sp>
+              <a:t>Edge label histogram</a:t>
+            </a:r>
+          </a:p>
+        </p:txBody>
+      </p:sp>
+      <p:pic>
+        <p:nvPicPr>
+          <p:cNvPr id="6" name="Content Placeholder 5">
+            <a:extLst>
+              <a:ext uri="{FF2B5EF4-FFF2-40B4-BE49-F238E27FC236}">
+                <a16:creationId xmlns:a16="http://schemas.microsoft.com/office/drawing/2014/main" id="{12F71A4B-DB54-DF9F-647B-9E51C07C4DBD}"/>
+              </a:ext>
+            </a:extLst>
+          </p:cNvPr>
+          <p:cNvPicPr>
+            <a:picLocks noGrp="1" noChangeAspect="1"/>
+          </p:cNvPicPr>
+          <p:nvPr>
+            <p:ph idx="1"/>
+          </p:nvPr>
+        </p:nvPicPr>
+        <p:blipFill>
+          <a:blip r:embed="rId2"/>
+          <a:stretch>
+            <a:fillRect/>
+          </a:stretch>
+        </p:blipFill>
+        <p:spPr>
+          <a:xfrm>
+            <a:off x="680224" y="2474875"/>
+            <a:ext cx="7788315" cy="876376"/>
+          </a:xfrm>
+        </p:spPr>
+      </p:pic>
       <p:sp>
         <p:nvSpPr>
           <p:cNvPr id="4" name="Slide Number Placeholder 3">
             <a:extLst>
               <a:ext uri="{FF2B5EF4-FFF2-40B4-BE49-F238E27FC236}">
-                <a16:creationId xmlns:a16="http://schemas.microsoft.com/office/drawing/2014/main" id="{F9F903C2-F1EF-38A4-905E-279FB5F878F9}"/>
+                <a16:creationId xmlns:a16="http://schemas.microsoft.com/office/drawing/2014/main" id="{79030E7D-C827-2CCE-AA98-84F5868D75CC}"/>
               </a:ext>
             </a:extLst>
           </p:cNvPr>
@@ -8633,39 +9527,10 @@
           </a:p>
         </p:txBody>
       </p:sp>
-      <p:pic>
-        <p:nvPicPr>
-          <p:cNvPr id="7" name="Content Placeholder 6">
-            <a:extLst>
-              <a:ext uri="{FF2B5EF4-FFF2-40B4-BE49-F238E27FC236}">
-                <a16:creationId xmlns:a16="http://schemas.microsoft.com/office/drawing/2014/main" id="{DAEECF0B-FD3E-1465-6E8B-5911BAADAF6E}"/>
-              </a:ext>
-            </a:extLst>
-          </p:cNvPr>
-          <p:cNvPicPr>
-            <a:picLocks noGrp="1" noChangeAspect="1"/>
-          </p:cNvPicPr>
-          <p:nvPr>
-            <p:ph idx="1"/>
-          </p:nvPr>
-        </p:nvPicPr>
-        <p:blipFill>
-          <a:blip r:embed="rId3"/>
-          <a:stretch>
-            <a:fillRect/>
-          </a:stretch>
-        </p:blipFill>
-        <p:spPr>
-          <a:xfrm>
-            <a:off x="1742992" y="1223963"/>
-            <a:ext cx="5662779" cy="3378200"/>
-          </a:xfrm>
-        </p:spPr>
-      </p:pic>
     </p:spTree>
     <p:extLst>
       <p:ext uri="{BB962C8B-B14F-4D97-AF65-F5344CB8AC3E}">
-        <p14:creationId xmlns:p14="http://schemas.microsoft.com/office/powerpoint/2010/main" val="3004640147"/>
+        <p14:creationId xmlns:p14="http://schemas.microsoft.com/office/powerpoint/2010/main" val="1185378439"/>
       </p:ext>
     </p:extLst>
   </p:cSld>
@@ -8680,13 +9545,7 @@
   <p:cSld>
     <p:spTree>
       <p:nvGrpSpPr>
-        <p:cNvPr id="1" name="">
-          <a:extLst>
-            <a:ext uri="{FF2B5EF4-FFF2-40B4-BE49-F238E27FC236}">
-              <a16:creationId xmlns:a16="http://schemas.microsoft.com/office/drawing/2014/main" id="{A0BCBF1D-643A-23AE-42FE-D58EACB98C6A}"/>
-            </a:ext>
-          </a:extLst>
-        </p:cNvPr>
+        <p:cNvPr id="1" name=""/>
         <p:cNvGrpSpPr/>
         <p:nvPr/>
       </p:nvGrpSpPr>
@@ -8703,7 +9562,7 @@
           <p:cNvPr id="2" name="Title 1">
             <a:extLst>
               <a:ext uri="{FF2B5EF4-FFF2-40B4-BE49-F238E27FC236}">
-                <a16:creationId xmlns:a16="http://schemas.microsoft.com/office/drawing/2014/main" id="{08EC4255-A61D-FBCD-56C5-E7B18B85D082}"/>
+                <a16:creationId xmlns:a16="http://schemas.microsoft.com/office/drawing/2014/main" id="{8F7C416C-FD86-30B5-0642-D89B86C30BA8}"/>
               </a:ext>
             </a:extLst>
           </p:cNvPr>
@@ -8721,17 +9580,46 @@
           <a:p>
             <a:r>
               <a:rPr lang="en-US" dirty="0"/>
-              <a:t>Invariant analysis</a:t>
-            </a:r>
-          </a:p>
-        </p:txBody>
-      </p:sp>
+              <a:t>Node Label</a:t>
+            </a:r>
+          </a:p>
+        </p:txBody>
+      </p:sp>
+      <p:pic>
+        <p:nvPicPr>
+          <p:cNvPr id="6" name="Content Placeholder 5">
+            <a:extLst>
+              <a:ext uri="{FF2B5EF4-FFF2-40B4-BE49-F238E27FC236}">
+                <a16:creationId xmlns:a16="http://schemas.microsoft.com/office/drawing/2014/main" id="{67CAF559-C367-990B-2E3F-EB2BACDDC6C9}"/>
+              </a:ext>
+            </a:extLst>
+          </p:cNvPr>
+          <p:cNvPicPr>
+            <a:picLocks noGrp="1" noChangeAspect="1"/>
+          </p:cNvPicPr>
+          <p:nvPr>
+            <p:ph idx="1"/>
+          </p:nvPr>
+        </p:nvPicPr>
+        <p:blipFill>
+          <a:blip r:embed="rId2"/>
+          <a:stretch>
+            <a:fillRect/>
+          </a:stretch>
+        </p:blipFill>
+        <p:spPr>
+          <a:xfrm>
+            <a:off x="524000" y="2010014"/>
+            <a:ext cx="8100762" cy="1806097"/>
+          </a:xfrm>
+        </p:spPr>
+      </p:pic>
       <p:sp>
         <p:nvSpPr>
           <p:cNvPr id="4" name="Slide Number Placeholder 3">
             <a:extLst>
               <a:ext uri="{FF2B5EF4-FFF2-40B4-BE49-F238E27FC236}">
-                <a16:creationId xmlns:a16="http://schemas.microsoft.com/office/drawing/2014/main" id="{C8B06F0E-89D3-91A5-A940-579162552C8A}"/>
+                <a16:creationId xmlns:a16="http://schemas.microsoft.com/office/drawing/2014/main" id="{FB9CB8C7-8582-F2A4-1585-5BA66D858F09}"/>
               </a:ext>
             </a:extLst>
           </p:cNvPr>
@@ -8773,39 +9661,10 @@
           </a:p>
         </p:txBody>
       </p:sp>
-      <p:pic>
-        <p:nvPicPr>
-          <p:cNvPr id="8" name="Content Placeholder 7">
-            <a:extLst>
-              <a:ext uri="{FF2B5EF4-FFF2-40B4-BE49-F238E27FC236}">
-                <a16:creationId xmlns:a16="http://schemas.microsoft.com/office/drawing/2014/main" id="{CC10C478-DDD0-5C25-A4B0-5CFEB948E46C}"/>
-              </a:ext>
-            </a:extLst>
-          </p:cNvPr>
-          <p:cNvPicPr>
-            <a:picLocks noGrp="1" noChangeAspect="1"/>
-          </p:cNvPicPr>
-          <p:nvPr>
-            <p:ph idx="1"/>
-          </p:nvPr>
-        </p:nvPicPr>
-        <p:blipFill>
-          <a:blip r:embed="rId3"/>
-          <a:stretch>
-            <a:fillRect/>
-          </a:stretch>
-        </p:blipFill>
-        <p:spPr>
-          <a:xfrm>
-            <a:off x="1742992" y="1223963"/>
-            <a:ext cx="5662779" cy="3378200"/>
-          </a:xfrm>
-        </p:spPr>
-      </p:pic>
     </p:spTree>
     <p:extLst>
       <p:ext uri="{BB962C8B-B14F-4D97-AF65-F5344CB8AC3E}">
-        <p14:creationId xmlns:p14="http://schemas.microsoft.com/office/powerpoint/2010/main" val="4288407192"/>
+        <p14:creationId xmlns:p14="http://schemas.microsoft.com/office/powerpoint/2010/main" val="38505755"/>
       </p:ext>
     </p:extLst>
   </p:cSld>
@@ -8837,7 +9696,7 @@
           <p:cNvPr id="2" name="Title 1">
             <a:extLst>
               <a:ext uri="{FF2B5EF4-FFF2-40B4-BE49-F238E27FC236}">
-                <a16:creationId xmlns:a16="http://schemas.microsoft.com/office/drawing/2014/main" id="{C6C60A20-1BF3-1F91-B422-B64ECA07E72C}"/>
+                <a16:creationId xmlns:a16="http://schemas.microsoft.com/office/drawing/2014/main" id="{339B17E3-D2F7-5A03-0188-E6B3AF81E7A4}"/>
               </a:ext>
             </a:extLst>
           </p:cNvPr>
@@ -8855,17 +9714,46 @@
           <a:p>
             <a:r>
               <a:rPr lang="en-US" dirty="0"/>
-              <a:t>Isomorphism Analysis</a:t>
-            </a:r>
-          </a:p>
-        </p:txBody>
-      </p:sp>
+              <a:t>Node label with histogram</a:t>
+            </a:r>
+          </a:p>
+        </p:txBody>
+      </p:sp>
+      <p:pic>
+        <p:nvPicPr>
+          <p:cNvPr id="6" name="Content Placeholder 5">
+            <a:extLst>
+              <a:ext uri="{FF2B5EF4-FFF2-40B4-BE49-F238E27FC236}">
+                <a16:creationId xmlns:a16="http://schemas.microsoft.com/office/drawing/2014/main" id="{059A079C-955C-380F-7A9A-7993F4989603}"/>
+              </a:ext>
+            </a:extLst>
+          </p:cNvPr>
+          <p:cNvPicPr>
+            <a:picLocks noGrp="1" noChangeAspect="1"/>
+          </p:cNvPicPr>
+          <p:nvPr>
+            <p:ph idx="1"/>
+          </p:nvPr>
+        </p:nvPicPr>
+        <p:blipFill>
+          <a:blip r:embed="rId2"/>
+          <a:stretch>
+            <a:fillRect/>
+          </a:stretch>
+        </p:blipFill>
+        <p:spPr>
+          <a:xfrm>
+            <a:off x="466845" y="1872843"/>
+            <a:ext cx="8215072" cy="2080440"/>
+          </a:xfrm>
+        </p:spPr>
+      </p:pic>
       <p:sp>
         <p:nvSpPr>
           <p:cNvPr id="4" name="Slide Number Placeholder 3">
             <a:extLst>
               <a:ext uri="{FF2B5EF4-FFF2-40B4-BE49-F238E27FC236}">
-                <a16:creationId xmlns:a16="http://schemas.microsoft.com/office/drawing/2014/main" id="{B82F3E0A-CEF1-ED05-2B20-3E3EB8595C5B}"/>
+                <a16:creationId xmlns:a16="http://schemas.microsoft.com/office/drawing/2014/main" id="{6587D39B-8E3A-4C48-1D5D-FD56D5435186}"/>
               </a:ext>
             </a:extLst>
           </p:cNvPr>
@@ -8907,12 +9795,429 @@
           </a:p>
         </p:txBody>
       </p:sp>
+    </p:spTree>
+    <p:extLst>
+      <p:ext uri="{BB962C8B-B14F-4D97-AF65-F5344CB8AC3E}">
+        <p14:creationId xmlns:p14="http://schemas.microsoft.com/office/powerpoint/2010/main" val="1145219742"/>
+      </p:ext>
+    </p:extLst>
+  </p:cSld>
+  <p:clrMapOvr>
+    <a:masterClrMapping/>
+  </p:clrMapOvr>
+</p:sld>
+</file>
+
+<file path=ppt/slides/slide7.xml><?xml version="1.0" encoding="utf-8"?>
+<p:sld xmlns:a="http://schemas.openxmlformats.org/drawingml/2006/main" xmlns:r="http://schemas.openxmlformats.org/officeDocument/2006/relationships" xmlns:p="http://schemas.openxmlformats.org/presentationml/2006/main">
+  <p:cSld>
+    <p:spTree>
+      <p:nvGrpSpPr>
+        <p:cNvPr id="1" name=""/>
+        <p:cNvGrpSpPr/>
+        <p:nvPr/>
+      </p:nvGrpSpPr>
+      <p:grpSpPr>
+        <a:xfrm>
+          <a:off x="0" y="0"/>
+          <a:ext cx="0" cy="0"/>
+          <a:chOff x="0" y="0"/>
+          <a:chExt cx="0" cy="0"/>
+        </a:xfrm>
+      </p:grpSpPr>
+      <p:sp>
+        <p:nvSpPr>
+          <p:cNvPr id="2" name="Title 1">
+            <a:extLst>
+              <a:ext uri="{FF2B5EF4-FFF2-40B4-BE49-F238E27FC236}">
+                <a16:creationId xmlns:a16="http://schemas.microsoft.com/office/drawing/2014/main" id="{7A5A10B0-773A-D5AD-2887-A5AEB47AE9EE}"/>
+              </a:ext>
+            </a:extLst>
+          </p:cNvPr>
+          <p:cNvSpPr>
+            <a:spLocks noGrp="1"/>
+          </p:cNvSpPr>
+          <p:nvPr>
+            <p:ph type="title"/>
+          </p:nvPr>
+        </p:nvSpPr>
+        <p:spPr/>
+        <p:txBody>
+          <a:bodyPr/>
+          <a:lstStyle/>
+          <a:p>
+            <a:r>
+              <a:rPr lang="en-US" dirty="0"/>
+              <a:t>Edge label with nodes histogram</a:t>
+            </a:r>
+          </a:p>
+        </p:txBody>
+      </p:sp>
       <p:pic>
         <p:nvPicPr>
-          <p:cNvPr id="20" name="Content Placeholder 19">
+          <p:cNvPr id="6" name="Content Placeholder 5">
             <a:extLst>
               <a:ext uri="{FF2B5EF4-FFF2-40B4-BE49-F238E27FC236}">
-                <a16:creationId xmlns:a16="http://schemas.microsoft.com/office/drawing/2014/main" id="{256F364D-E898-5EB6-06AD-4D92C5769BF6}"/>
+                <a16:creationId xmlns:a16="http://schemas.microsoft.com/office/drawing/2014/main" id="{FA4E316D-C542-B912-8CBD-EDB8DA438236}"/>
+              </a:ext>
+            </a:extLst>
+          </p:cNvPr>
+          <p:cNvPicPr>
+            <a:picLocks noGrp="1" noChangeAspect="1"/>
+          </p:cNvPicPr>
+          <p:nvPr>
+            <p:ph idx="1"/>
+          </p:nvPr>
+        </p:nvPicPr>
+        <p:blipFill>
+          <a:blip r:embed="rId2"/>
+          <a:stretch>
+            <a:fillRect/>
+          </a:stretch>
+        </p:blipFill>
+        <p:spPr>
+          <a:xfrm>
+            <a:off x="565914" y="1872843"/>
+            <a:ext cx="8016935" cy="2080440"/>
+          </a:xfrm>
+        </p:spPr>
+      </p:pic>
+      <p:sp>
+        <p:nvSpPr>
+          <p:cNvPr id="4" name="Slide Number Placeholder 3">
+            <a:extLst>
+              <a:ext uri="{FF2B5EF4-FFF2-40B4-BE49-F238E27FC236}">
+                <a16:creationId xmlns:a16="http://schemas.microsoft.com/office/drawing/2014/main" id="{74113840-3077-231A-C828-7C0B907FA9FF}"/>
+              </a:ext>
+            </a:extLst>
+          </p:cNvPr>
+          <p:cNvSpPr>
+            <a:spLocks noGrp="1"/>
+          </p:cNvSpPr>
+          <p:nvPr>
+            <p:ph type="sldNum" sz="quarter" idx="4"/>
+          </p:nvPr>
+        </p:nvSpPr>
+        <p:spPr/>
+        <p:txBody>
+          <a:bodyPr/>
+          <a:lstStyle/>
+          <a:p>
+            <a:pPr>
+              <a:defRPr/>
+            </a:pPr>
+            <a:fld id="{AFCF9BA9-AB08-46E1-A235-3AC71B2FE2C1}" type="slidenum">
+              <a:rPr lang="de-DE" altLang="de-DE" sz="1000" smtClean="0">
+                <a:solidFill>
+                  <a:srgbClr val="D8413E"/>
+                </a:solidFill>
+                <a:latin typeface="Arial" panose="020B0604020202020204" pitchFamily="34" charset="0"/>
+                <a:cs typeface="Arial" panose="020B0604020202020204" pitchFamily="34" charset="0"/>
+              </a:rPr>
+              <a:pPr>
+                <a:defRPr/>
+              </a:pPr>
+              <a:t>7</a:t>
+            </a:fld>
+            <a:endParaRPr lang="de-DE" altLang="de-DE" sz="1000" dirty="0">
+              <a:solidFill>
+                <a:srgbClr val="D8413E"/>
+              </a:solidFill>
+              <a:latin typeface="Arial" panose="020B0604020202020204" pitchFamily="34" charset="0"/>
+              <a:cs typeface="Arial" panose="020B0604020202020204" pitchFamily="34" charset="0"/>
+            </a:endParaRPr>
+          </a:p>
+        </p:txBody>
+      </p:sp>
+    </p:spTree>
+    <p:extLst>
+      <p:ext uri="{BB962C8B-B14F-4D97-AF65-F5344CB8AC3E}">
+        <p14:creationId xmlns:p14="http://schemas.microsoft.com/office/powerpoint/2010/main" val="1446392080"/>
+      </p:ext>
+    </p:extLst>
+  </p:cSld>
+  <p:clrMapOvr>
+    <a:masterClrMapping/>
+  </p:clrMapOvr>
+</p:sld>
+</file>
+
+<file path=ppt/slides/slide8.xml><?xml version="1.0" encoding="utf-8"?>
+<p:sld xmlns:a="http://schemas.openxmlformats.org/drawingml/2006/main" xmlns:r="http://schemas.openxmlformats.org/officeDocument/2006/relationships" xmlns:p="http://schemas.openxmlformats.org/presentationml/2006/main">
+  <p:cSld>
+    <p:spTree>
+      <p:nvGrpSpPr>
+        <p:cNvPr id="1" name=""/>
+        <p:cNvGrpSpPr/>
+        <p:nvPr/>
+      </p:nvGrpSpPr>
+      <p:grpSpPr>
+        <a:xfrm>
+          <a:off x="0" y="0"/>
+          <a:ext cx="0" cy="0"/>
+          <a:chOff x="0" y="0"/>
+          <a:chExt cx="0" cy="0"/>
+        </a:xfrm>
+      </p:grpSpPr>
+      <p:sp>
+        <p:nvSpPr>
+          <p:cNvPr id="2" name="Title 1">
+            <a:extLst>
+              <a:ext uri="{FF2B5EF4-FFF2-40B4-BE49-F238E27FC236}">
+                <a16:creationId xmlns:a16="http://schemas.microsoft.com/office/drawing/2014/main" id="{30E23CF0-A850-7B63-6CB5-8ED64597561F}"/>
+              </a:ext>
+            </a:extLst>
+          </p:cNvPr>
+          <p:cNvSpPr>
+            <a:spLocks noGrp="1"/>
+          </p:cNvSpPr>
+          <p:nvPr>
+            <p:ph type="title"/>
+          </p:nvPr>
+        </p:nvSpPr>
+        <p:spPr/>
+        <p:txBody>
+          <a:bodyPr/>
+          <a:lstStyle/>
+          <a:p>
+            <a:r>
+              <a:rPr lang="en-US" dirty="0"/>
+              <a:t>Invariant analysis</a:t>
+            </a:r>
+          </a:p>
+        </p:txBody>
+      </p:sp>
+      <p:sp>
+        <p:nvSpPr>
+          <p:cNvPr id="4" name="Slide Number Placeholder 3">
+            <a:extLst>
+              <a:ext uri="{FF2B5EF4-FFF2-40B4-BE49-F238E27FC236}">
+                <a16:creationId xmlns:a16="http://schemas.microsoft.com/office/drawing/2014/main" id="{CC883BF9-028C-3532-0208-ADB7CD77E0AA}"/>
+              </a:ext>
+            </a:extLst>
+          </p:cNvPr>
+          <p:cNvSpPr>
+            <a:spLocks noGrp="1"/>
+          </p:cNvSpPr>
+          <p:nvPr>
+            <p:ph type="sldNum" sz="quarter" idx="4"/>
+          </p:nvPr>
+        </p:nvSpPr>
+        <p:spPr/>
+        <p:txBody>
+          <a:bodyPr/>
+          <a:lstStyle/>
+          <a:p>
+            <a:pPr>
+              <a:defRPr/>
+            </a:pPr>
+            <a:fld id="{AFCF9BA9-AB08-46E1-A235-3AC71B2FE2C1}" type="slidenum">
+              <a:rPr lang="de-DE" altLang="de-DE" sz="1000" smtClean="0">
+                <a:solidFill>
+                  <a:srgbClr val="D8413E"/>
+                </a:solidFill>
+                <a:latin typeface="Arial" panose="020B0604020202020204" pitchFamily="34" charset="0"/>
+                <a:cs typeface="Arial" panose="020B0604020202020204" pitchFamily="34" charset="0"/>
+              </a:rPr>
+              <a:pPr>
+                <a:defRPr/>
+              </a:pPr>
+              <a:t>8</a:t>
+            </a:fld>
+            <a:endParaRPr lang="de-DE" altLang="de-DE" sz="1000" dirty="0">
+              <a:solidFill>
+                <a:srgbClr val="D8413E"/>
+              </a:solidFill>
+              <a:latin typeface="Arial" panose="020B0604020202020204" pitchFamily="34" charset="0"/>
+              <a:cs typeface="Arial" panose="020B0604020202020204" pitchFamily="34" charset="0"/>
+            </a:endParaRPr>
+          </a:p>
+        </p:txBody>
+      </p:sp>
+      <p:pic>
+        <p:nvPicPr>
+          <p:cNvPr id="10" name="Content Placeholder 9">
+            <a:extLst>
+              <a:ext uri="{FF2B5EF4-FFF2-40B4-BE49-F238E27FC236}">
+                <a16:creationId xmlns:a16="http://schemas.microsoft.com/office/drawing/2014/main" id="{97F5A329-E89D-13D4-AB37-F58534775CC2}"/>
+              </a:ext>
+            </a:extLst>
+          </p:cNvPr>
+          <p:cNvPicPr>
+            <a:picLocks noGrp="1" noChangeAspect="1"/>
+          </p:cNvPicPr>
+          <p:nvPr>
+            <p:ph idx="1"/>
+          </p:nvPr>
+        </p:nvPicPr>
+        <p:blipFill>
+          <a:blip r:embed="rId3"/>
+          <a:stretch>
+            <a:fillRect/>
+          </a:stretch>
+        </p:blipFill>
+        <p:spPr>
+          <a:xfrm>
+            <a:off x="1742992" y="1223963"/>
+            <a:ext cx="5662779" cy="3378200"/>
+          </a:xfrm>
+        </p:spPr>
+      </p:pic>
+      <p:sp>
+        <p:nvSpPr>
+          <p:cNvPr id="11" name="TextBox 10">
+            <a:extLst>
+              <a:ext uri="{FF2B5EF4-FFF2-40B4-BE49-F238E27FC236}">
+                <a16:creationId xmlns:a16="http://schemas.microsoft.com/office/drawing/2014/main" id="{38A7B995-45F5-9D65-B595-916F498D5175}"/>
+              </a:ext>
+            </a:extLst>
+          </p:cNvPr>
+          <p:cNvSpPr txBox="1"/>
+          <p:nvPr/>
+        </p:nvSpPr>
+        <p:spPr>
+          <a:xfrm>
+            <a:off x="457200" y="4463663"/>
+            <a:ext cx="3513025" cy="276999"/>
+          </a:xfrm>
+          <a:prstGeom prst="rect">
+            <a:avLst/>
+          </a:prstGeom>
+          <a:noFill/>
+        </p:spPr>
+        <p:txBody>
+          <a:bodyPr wrap="square" lIns="0" tIns="0" rIns="0" bIns="0" rtlCol="0">
+            <a:spAutoFit/>
+          </a:bodyPr>
+          <a:lstStyle/>
+          <a:p>
+            <a:r>
+              <a:rPr lang="en-US" i="0" dirty="0">
+                <a:latin typeface="+mn-lt"/>
+                <a:cs typeface="Arial" panose="020B0604020202020204" pitchFamily="34" charset="0"/>
+              </a:rPr>
+              <a:t>Total number of cluster = 754</a:t>
+            </a:r>
+          </a:p>
+        </p:txBody>
+      </p:sp>
+    </p:spTree>
+    <p:extLst>
+      <p:ext uri="{BB962C8B-B14F-4D97-AF65-F5344CB8AC3E}">
+        <p14:creationId xmlns:p14="http://schemas.microsoft.com/office/powerpoint/2010/main" val="2644610969"/>
+      </p:ext>
+    </p:extLst>
+  </p:cSld>
+  <p:clrMapOvr>
+    <a:masterClrMapping/>
+  </p:clrMapOvr>
+</p:sld>
+</file>
+
+<file path=ppt/slides/slide9.xml><?xml version="1.0" encoding="utf-8"?>
+<p:sld xmlns:a="http://schemas.openxmlformats.org/drawingml/2006/main" xmlns:r="http://schemas.openxmlformats.org/officeDocument/2006/relationships" xmlns:p="http://schemas.openxmlformats.org/presentationml/2006/main">
+  <p:cSld>
+    <p:spTree>
+      <p:nvGrpSpPr>
+        <p:cNvPr id="1" name="">
+          <a:extLst>
+            <a:ext uri="{FF2B5EF4-FFF2-40B4-BE49-F238E27FC236}">
+              <a16:creationId xmlns:a16="http://schemas.microsoft.com/office/drawing/2014/main" id="{32DD19B1-A9C1-D509-A621-E84C6D13E1B1}"/>
+            </a:ext>
+          </a:extLst>
+        </p:cNvPr>
+        <p:cNvGrpSpPr/>
+        <p:nvPr/>
+      </p:nvGrpSpPr>
+      <p:grpSpPr>
+        <a:xfrm>
+          <a:off x="0" y="0"/>
+          <a:ext cx="0" cy="0"/>
+          <a:chOff x="0" y="0"/>
+          <a:chExt cx="0" cy="0"/>
+        </a:xfrm>
+      </p:grpSpPr>
+      <p:sp>
+        <p:nvSpPr>
+          <p:cNvPr id="2" name="Title 1">
+            <a:extLst>
+              <a:ext uri="{FF2B5EF4-FFF2-40B4-BE49-F238E27FC236}">
+                <a16:creationId xmlns:a16="http://schemas.microsoft.com/office/drawing/2014/main" id="{738B4EF9-875C-6359-45D1-45EEEA044544}"/>
+              </a:ext>
+            </a:extLst>
+          </p:cNvPr>
+          <p:cNvSpPr>
+            <a:spLocks noGrp="1"/>
+          </p:cNvSpPr>
+          <p:nvPr>
+            <p:ph type="title"/>
+          </p:nvPr>
+        </p:nvSpPr>
+        <p:spPr/>
+        <p:txBody>
+          <a:bodyPr/>
+          <a:lstStyle/>
+          <a:p>
+            <a:r>
+              <a:rPr lang="en-US" dirty="0"/>
+              <a:t>Invariant analysis</a:t>
+            </a:r>
+          </a:p>
+        </p:txBody>
+      </p:sp>
+      <p:sp>
+        <p:nvSpPr>
+          <p:cNvPr id="4" name="Slide Number Placeholder 3">
+            <a:extLst>
+              <a:ext uri="{FF2B5EF4-FFF2-40B4-BE49-F238E27FC236}">
+                <a16:creationId xmlns:a16="http://schemas.microsoft.com/office/drawing/2014/main" id="{F9F903C2-F1EF-38A4-905E-279FB5F878F9}"/>
+              </a:ext>
+            </a:extLst>
+          </p:cNvPr>
+          <p:cNvSpPr>
+            <a:spLocks noGrp="1"/>
+          </p:cNvSpPr>
+          <p:nvPr>
+            <p:ph type="sldNum" sz="quarter" idx="4"/>
+          </p:nvPr>
+        </p:nvSpPr>
+        <p:spPr/>
+        <p:txBody>
+          <a:bodyPr/>
+          <a:lstStyle/>
+          <a:p>
+            <a:pPr>
+              <a:defRPr/>
+            </a:pPr>
+            <a:fld id="{AFCF9BA9-AB08-46E1-A235-3AC71B2FE2C1}" type="slidenum">
+              <a:rPr lang="de-DE" altLang="de-DE" sz="1000" smtClean="0">
+                <a:solidFill>
+                  <a:srgbClr val="D8413E"/>
+                </a:solidFill>
+                <a:latin typeface="Arial" panose="020B0604020202020204" pitchFamily="34" charset="0"/>
+                <a:cs typeface="Arial" panose="020B0604020202020204" pitchFamily="34" charset="0"/>
+              </a:rPr>
+              <a:pPr>
+                <a:defRPr/>
+              </a:pPr>
+              <a:t>9</a:t>
+            </a:fld>
+            <a:endParaRPr lang="de-DE" altLang="de-DE" sz="1000" dirty="0">
+              <a:solidFill>
+                <a:srgbClr val="D8413E"/>
+              </a:solidFill>
+              <a:latin typeface="Arial" panose="020B0604020202020204" pitchFamily="34" charset="0"/>
+              <a:cs typeface="Arial" panose="020B0604020202020204" pitchFamily="34" charset="0"/>
+            </a:endParaRPr>
+          </a:p>
+        </p:txBody>
+      </p:sp>
+      <p:pic>
+        <p:nvPicPr>
+          <p:cNvPr id="7" name="Content Placeholder 6">
+            <a:extLst>
+              <a:ext uri="{FF2B5EF4-FFF2-40B4-BE49-F238E27FC236}">
+                <a16:creationId xmlns:a16="http://schemas.microsoft.com/office/drawing/2014/main" id="{DAEECF0B-FD3E-1465-6E8B-5911BAADAF6E}"/>
               </a:ext>
             </a:extLst>
           </p:cNvPr>
@@ -8939,575 +10244,7 @@
     </p:spTree>
     <p:extLst>
       <p:ext uri="{BB962C8B-B14F-4D97-AF65-F5344CB8AC3E}">
-        <p14:creationId xmlns:p14="http://schemas.microsoft.com/office/powerpoint/2010/main" val="3008518759"/>
-      </p:ext>
-    </p:extLst>
-  </p:cSld>
-  <p:clrMapOvr>
-    <a:masterClrMapping/>
-  </p:clrMapOvr>
-</p:sld>
-</file>
-
-<file path=ppt/slides/slide7.xml><?xml version="1.0" encoding="utf-8"?>
-<p:sld xmlns:a="http://schemas.openxmlformats.org/drawingml/2006/main" xmlns:r="http://schemas.openxmlformats.org/officeDocument/2006/relationships" xmlns:p="http://schemas.openxmlformats.org/presentationml/2006/main">
-  <p:cSld>
-    <p:spTree>
-      <p:nvGrpSpPr>
-        <p:cNvPr id="1" name="">
-          <a:extLst>
-            <a:ext uri="{FF2B5EF4-FFF2-40B4-BE49-F238E27FC236}">
-              <a16:creationId xmlns:a16="http://schemas.microsoft.com/office/drawing/2014/main" id="{CF09C2AD-E4BC-290A-36B0-A9541B7BC712}"/>
-            </a:ext>
-          </a:extLst>
-        </p:cNvPr>
-        <p:cNvGrpSpPr/>
-        <p:nvPr/>
-      </p:nvGrpSpPr>
-      <p:grpSpPr>
-        <a:xfrm>
-          <a:off x="0" y="0"/>
-          <a:ext cx="0" cy="0"/>
-          <a:chOff x="0" y="0"/>
-          <a:chExt cx="0" cy="0"/>
-        </a:xfrm>
-      </p:grpSpPr>
-      <p:sp>
-        <p:nvSpPr>
-          <p:cNvPr id="2" name="Title 1">
-            <a:extLst>
-              <a:ext uri="{FF2B5EF4-FFF2-40B4-BE49-F238E27FC236}">
-                <a16:creationId xmlns:a16="http://schemas.microsoft.com/office/drawing/2014/main" id="{396E335F-D4AC-FE5A-EC4D-4CFDA9893392}"/>
-              </a:ext>
-            </a:extLst>
-          </p:cNvPr>
-          <p:cNvSpPr>
-            <a:spLocks noGrp="1"/>
-          </p:cNvSpPr>
-          <p:nvPr>
-            <p:ph type="title"/>
-          </p:nvPr>
-        </p:nvSpPr>
-        <p:spPr/>
-        <p:txBody>
-          <a:bodyPr/>
-          <a:lstStyle/>
-          <a:p>
-            <a:r>
-              <a:rPr lang="en-US" dirty="0"/>
-              <a:t>Isomorphism Analysis</a:t>
-            </a:r>
-          </a:p>
-        </p:txBody>
-      </p:sp>
-      <p:sp>
-        <p:nvSpPr>
-          <p:cNvPr id="4" name="Slide Number Placeholder 3">
-            <a:extLst>
-              <a:ext uri="{FF2B5EF4-FFF2-40B4-BE49-F238E27FC236}">
-                <a16:creationId xmlns:a16="http://schemas.microsoft.com/office/drawing/2014/main" id="{F0CF1135-1F1F-348B-201B-6A88DE1C42DE}"/>
-              </a:ext>
-            </a:extLst>
-          </p:cNvPr>
-          <p:cNvSpPr>
-            <a:spLocks noGrp="1"/>
-          </p:cNvSpPr>
-          <p:nvPr>
-            <p:ph type="sldNum" sz="quarter" idx="4"/>
-          </p:nvPr>
-        </p:nvSpPr>
-        <p:spPr/>
-        <p:txBody>
-          <a:bodyPr/>
-          <a:lstStyle/>
-          <a:p>
-            <a:pPr>
-              <a:defRPr/>
-            </a:pPr>
-            <a:fld id="{AFCF9BA9-AB08-46E1-A235-3AC71B2FE2C1}" type="slidenum">
-              <a:rPr lang="de-DE" altLang="de-DE" sz="1000" smtClean="0">
-                <a:solidFill>
-                  <a:srgbClr val="D8413E"/>
-                </a:solidFill>
-                <a:latin typeface="Arial" panose="020B0604020202020204" pitchFamily="34" charset="0"/>
-                <a:cs typeface="Arial" panose="020B0604020202020204" pitchFamily="34" charset="0"/>
-              </a:rPr>
-              <a:pPr>
-                <a:defRPr/>
-              </a:pPr>
-              <a:t>7</a:t>
-            </a:fld>
-            <a:endParaRPr lang="de-DE" altLang="de-DE" sz="1000" dirty="0">
-              <a:solidFill>
-                <a:srgbClr val="D8413E"/>
-              </a:solidFill>
-              <a:latin typeface="Arial" panose="020B0604020202020204" pitchFamily="34" charset="0"/>
-              <a:cs typeface="Arial" panose="020B0604020202020204" pitchFamily="34" charset="0"/>
-            </a:endParaRPr>
-          </a:p>
-        </p:txBody>
-      </p:sp>
-      <p:pic>
-        <p:nvPicPr>
-          <p:cNvPr id="7" name="Content Placeholder 6">
-            <a:extLst>
-              <a:ext uri="{FF2B5EF4-FFF2-40B4-BE49-F238E27FC236}">
-                <a16:creationId xmlns:a16="http://schemas.microsoft.com/office/drawing/2014/main" id="{7EFB9219-7F5C-E0FB-621F-8406BECE1A48}"/>
-              </a:ext>
-            </a:extLst>
-          </p:cNvPr>
-          <p:cNvPicPr>
-            <a:picLocks noGrp="1" noChangeAspect="1"/>
-          </p:cNvPicPr>
-          <p:nvPr>
-            <p:ph idx="1"/>
-          </p:nvPr>
-        </p:nvPicPr>
-        <p:blipFill>
-          <a:blip r:embed="rId3"/>
-          <a:stretch>
-            <a:fillRect/>
-          </a:stretch>
-        </p:blipFill>
-        <p:spPr>
-          <a:xfrm>
-            <a:off x="2030041" y="1223963"/>
-            <a:ext cx="5088681" cy="3378200"/>
-          </a:xfrm>
-        </p:spPr>
-      </p:pic>
-      <p:sp>
-        <p:nvSpPr>
-          <p:cNvPr id="3" name="TextBox 2">
-            <a:extLst>
-              <a:ext uri="{FF2B5EF4-FFF2-40B4-BE49-F238E27FC236}">
-                <a16:creationId xmlns:a16="http://schemas.microsoft.com/office/drawing/2014/main" id="{BE0826BE-6717-FB01-435B-20EBCE61D173}"/>
-              </a:ext>
-            </a:extLst>
-          </p:cNvPr>
-          <p:cNvSpPr txBox="1"/>
-          <p:nvPr/>
-        </p:nvSpPr>
-        <p:spPr>
-          <a:xfrm>
-            <a:off x="7456244" y="3829846"/>
-            <a:ext cx="984737" cy="553998"/>
-          </a:xfrm>
-          <a:prstGeom prst="rect">
-            <a:avLst/>
-          </a:prstGeom>
-          <a:noFill/>
-        </p:spPr>
-        <p:txBody>
-          <a:bodyPr wrap="square" lIns="0" tIns="0" rIns="0" bIns="0" rtlCol="0">
-            <a:spAutoFit/>
-          </a:bodyPr>
-          <a:lstStyle/>
-          <a:p>
-            <a:r>
-              <a:rPr lang="en-US" dirty="0">
-                <a:latin typeface="+mn-lt"/>
-                <a:cs typeface="Arial" panose="020B0604020202020204" pitchFamily="34" charset="0"/>
-              </a:rPr>
-              <a:t>s</a:t>
-            </a:r>
-            <a:r>
-              <a:rPr lang="en-US" i="0" dirty="0">
-                <a:latin typeface="+mn-lt"/>
-                <a:cs typeface="Arial" panose="020B0604020202020204" pitchFamily="34" charset="0"/>
-              </a:rPr>
-              <a:t>peedup</a:t>
-            </a:r>
-          </a:p>
-          <a:p>
-            <a:r>
-              <a:rPr lang="en-US" i="0" dirty="0">
-                <a:latin typeface="+mn-lt"/>
-                <a:cs typeface="Arial" panose="020B0604020202020204" pitchFamily="34" charset="0"/>
-              </a:rPr>
-              <a:t>&gt; 16x</a:t>
-            </a:r>
-          </a:p>
-        </p:txBody>
-      </p:sp>
-    </p:spTree>
-    <p:extLst>
-      <p:ext uri="{BB962C8B-B14F-4D97-AF65-F5344CB8AC3E}">
-        <p14:creationId xmlns:p14="http://schemas.microsoft.com/office/powerpoint/2010/main" val="3045307639"/>
-      </p:ext>
-    </p:extLst>
-  </p:cSld>
-  <p:clrMapOvr>
-    <a:masterClrMapping/>
-  </p:clrMapOvr>
-</p:sld>
-</file>
-
-<file path=ppt/slides/slide8.xml><?xml version="1.0" encoding="utf-8"?>
-<p:sld xmlns:a="http://schemas.openxmlformats.org/drawingml/2006/main" xmlns:r="http://schemas.openxmlformats.org/officeDocument/2006/relationships" xmlns:p="http://schemas.openxmlformats.org/presentationml/2006/main">
-  <p:cSld>
-    <p:spTree>
-      <p:nvGrpSpPr>
-        <p:cNvPr id="1" name="">
-          <a:extLst>
-            <a:ext uri="{FF2B5EF4-FFF2-40B4-BE49-F238E27FC236}">
-              <a16:creationId xmlns:a16="http://schemas.microsoft.com/office/drawing/2014/main" id="{3EC56335-DACF-F40D-942D-F20F4493E5E6}"/>
-            </a:ext>
-          </a:extLst>
-        </p:cNvPr>
-        <p:cNvGrpSpPr/>
-        <p:nvPr/>
-      </p:nvGrpSpPr>
-      <p:grpSpPr>
-        <a:xfrm>
-          <a:off x="0" y="0"/>
-          <a:ext cx="0" cy="0"/>
-          <a:chOff x="0" y="0"/>
-          <a:chExt cx="0" cy="0"/>
-        </a:xfrm>
-      </p:grpSpPr>
-      <p:sp>
-        <p:nvSpPr>
-          <p:cNvPr id="2" name="Title 1">
-            <a:extLst>
-              <a:ext uri="{FF2B5EF4-FFF2-40B4-BE49-F238E27FC236}">
-                <a16:creationId xmlns:a16="http://schemas.microsoft.com/office/drawing/2014/main" id="{9E3DAA5B-6969-59D1-032A-CF49429F8E35}"/>
-              </a:ext>
-            </a:extLst>
-          </p:cNvPr>
-          <p:cNvSpPr>
-            <a:spLocks noGrp="1"/>
-          </p:cNvSpPr>
-          <p:nvPr>
-            <p:ph type="title"/>
-          </p:nvPr>
-        </p:nvSpPr>
-        <p:spPr/>
-        <p:txBody>
-          <a:bodyPr/>
-          <a:lstStyle/>
-          <a:p>
-            <a:r>
-              <a:rPr lang="en-US" dirty="0"/>
-              <a:t>Isomorphism Scaling Analysis</a:t>
-            </a:r>
-          </a:p>
-        </p:txBody>
-      </p:sp>
-      <p:sp>
-        <p:nvSpPr>
-          <p:cNvPr id="4" name="Slide Number Placeholder 3">
-            <a:extLst>
-              <a:ext uri="{FF2B5EF4-FFF2-40B4-BE49-F238E27FC236}">
-                <a16:creationId xmlns:a16="http://schemas.microsoft.com/office/drawing/2014/main" id="{AADBF0A8-EEC6-2D2A-36E3-6E3DCD0F54A6}"/>
-              </a:ext>
-            </a:extLst>
-          </p:cNvPr>
-          <p:cNvSpPr>
-            <a:spLocks noGrp="1"/>
-          </p:cNvSpPr>
-          <p:nvPr>
-            <p:ph type="sldNum" sz="quarter" idx="4"/>
-          </p:nvPr>
-        </p:nvSpPr>
-        <p:spPr/>
-        <p:txBody>
-          <a:bodyPr/>
-          <a:lstStyle/>
-          <a:p>
-            <a:pPr>
-              <a:defRPr/>
-            </a:pPr>
-            <a:fld id="{AFCF9BA9-AB08-46E1-A235-3AC71B2FE2C1}" type="slidenum">
-              <a:rPr lang="de-DE" altLang="de-DE" sz="1000" smtClean="0">
-                <a:solidFill>
-                  <a:srgbClr val="D8413E"/>
-                </a:solidFill>
-                <a:latin typeface="Arial" panose="020B0604020202020204" pitchFamily="34" charset="0"/>
-                <a:cs typeface="Arial" panose="020B0604020202020204" pitchFamily="34" charset="0"/>
-              </a:rPr>
-              <a:pPr>
-                <a:defRPr/>
-              </a:pPr>
-              <a:t>8</a:t>
-            </a:fld>
-            <a:endParaRPr lang="de-DE" altLang="de-DE" sz="1000" dirty="0">
-              <a:solidFill>
-                <a:srgbClr val="D8413E"/>
-              </a:solidFill>
-              <a:latin typeface="Arial" panose="020B0604020202020204" pitchFamily="34" charset="0"/>
-              <a:cs typeface="Arial" panose="020B0604020202020204" pitchFamily="34" charset="0"/>
-            </a:endParaRPr>
-          </a:p>
-        </p:txBody>
-      </p:sp>
-      <p:pic>
-        <p:nvPicPr>
-          <p:cNvPr id="12" name="Content Placeholder 11">
-            <a:extLst>
-              <a:ext uri="{FF2B5EF4-FFF2-40B4-BE49-F238E27FC236}">
-                <a16:creationId xmlns:a16="http://schemas.microsoft.com/office/drawing/2014/main" id="{E60D701A-BDC9-8CD3-1C7A-352EF41F0A46}"/>
-              </a:ext>
-            </a:extLst>
-          </p:cNvPr>
-          <p:cNvPicPr>
-            <a:picLocks noGrp="1" noChangeAspect="1"/>
-          </p:cNvPicPr>
-          <p:nvPr>
-            <p:ph idx="1"/>
-          </p:nvPr>
-        </p:nvPicPr>
-        <p:blipFill>
-          <a:blip r:embed="rId3"/>
-          <a:stretch>
-            <a:fillRect/>
-          </a:stretch>
-        </p:blipFill>
-        <p:spPr>
-          <a:xfrm>
-            <a:off x="2030041" y="1223963"/>
-            <a:ext cx="5088681" cy="3378200"/>
-          </a:xfrm>
-        </p:spPr>
-      </p:pic>
-      <p:sp>
-        <p:nvSpPr>
-          <p:cNvPr id="13" name="TextBox 12">
-            <a:extLst>
-              <a:ext uri="{FF2B5EF4-FFF2-40B4-BE49-F238E27FC236}">
-                <a16:creationId xmlns:a16="http://schemas.microsoft.com/office/drawing/2014/main" id="{2E16B37E-2A31-CFBA-7189-4FA849B311AE}"/>
-              </a:ext>
-            </a:extLst>
-          </p:cNvPr>
-          <p:cNvSpPr txBox="1"/>
-          <p:nvPr/>
-        </p:nvSpPr>
-        <p:spPr>
-          <a:xfrm>
-            <a:off x="513470" y="4400359"/>
-            <a:ext cx="3513025" cy="276999"/>
-          </a:xfrm>
-          <a:prstGeom prst="rect">
-            <a:avLst/>
-          </a:prstGeom>
-          <a:noFill/>
-        </p:spPr>
-        <p:txBody>
-          <a:bodyPr wrap="square" lIns="0" tIns="0" rIns="0" bIns="0" rtlCol="0">
-            <a:spAutoFit/>
-          </a:bodyPr>
-          <a:lstStyle/>
-          <a:p>
-            <a:r>
-              <a:rPr lang="en-US" i="0" dirty="0">
-                <a:latin typeface="+mn-lt"/>
-                <a:cs typeface="Arial" panose="020B0604020202020204" pitchFamily="34" charset="0"/>
-              </a:rPr>
-              <a:t>L-Depth=0</a:t>
-            </a:r>
-          </a:p>
-        </p:txBody>
-      </p:sp>
-    </p:spTree>
-    <p:extLst>
-      <p:ext uri="{BB962C8B-B14F-4D97-AF65-F5344CB8AC3E}">
-        <p14:creationId xmlns:p14="http://schemas.microsoft.com/office/powerpoint/2010/main" val="2839351354"/>
-      </p:ext>
-    </p:extLst>
-  </p:cSld>
-  <p:clrMapOvr>
-    <a:masterClrMapping/>
-  </p:clrMapOvr>
-</p:sld>
-</file>
-
-<file path=ppt/slides/slide9.xml><?xml version="1.0" encoding="utf-8"?>
-<p:sld xmlns:a="http://schemas.openxmlformats.org/drawingml/2006/main" xmlns:r="http://schemas.openxmlformats.org/officeDocument/2006/relationships" xmlns:p="http://schemas.openxmlformats.org/presentationml/2006/main">
-  <p:cSld>
-    <p:spTree>
-      <p:nvGrpSpPr>
-        <p:cNvPr id="1" name="">
-          <a:extLst>
-            <a:ext uri="{FF2B5EF4-FFF2-40B4-BE49-F238E27FC236}">
-              <a16:creationId xmlns:a16="http://schemas.microsoft.com/office/drawing/2014/main" id="{7FDBDBD6-70D8-33EB-C3E6-3DAAC2E9A0CB}"/>
-            </a:ext>
-          </a:extLst>
-        </p:cNvPr>
-        <p:cNvGrpSpPr/>
-        <p:nvPr/>
-      </p:nvGrpSpPr>
-      <p:grpSpPr>
-        <a:xfrm>
-          <a:off x="0" y="0"/>
-          <a:ext cx="0" cy="0"/>
-          <a:chOff x="0" y="0"/>
-          <a:chExt cx="0" cy="0"/>
-        </a:xfrm>
-      </p:grpSpPr>
-      <p:sp>
-        <p:nvSpPr>
-          <p:cNvPr id="2" name="Title 1">
-            <a:extLst>
-              <a:ext uri="{FF2B5EF4-FFF2-40B4-BE49-F238E27FC236}">
-                <a16:creationId xmlns:a16="http://schemas.microsoft.com/office/drawing/2014/main" id="{3CACA46D-8CEE-859B-A63F-84DB839C1C93}"/>
-              </a:ext>
-            </a:extLst>
-          </p:cNvPr>
-          <p:cNvSpPr>
-            <a:spLocks noGrp="1"/>
-          </p:cNvSpPr>
-          <p:nvPr>
-            <p:ph type="title"/>
-          </p:nvPr>
-        </p:nvSpPr>
-        <p:spPr/>
-        <p:txBody>
-          <a:bodyPr/>
-          <a:lstStyle/>
-          <a:p>
-            <a:r>
-              <a:rPr lang="en-US" dirty="0"/>
-              <a:t>CONCLUSION</a:t>
-            </a:r>
-          </a:p>
-        </p:txBody>
-      </p:sp>
-      <p:sp>
-        <p:nvSpPr>
-          <p:cNvPr id="4" name="Slide Number Placeholder 3">
-            <a:extLst>
-              <a:ext uri="{FF2B5EF4-FFF2-40B4-BE49-F238E27FC236}">
-                <a16:creationId xmlns:a16="http://schemas.microsoft.com/office/drawing/2014/main" id="{2B576968-69FC-418A-812A-2C13029E0F91}"/>
-              </a:ext>
-            </a:extLst>
-          </p:cNvPr>
-          <p:cNvSpPr>
-            <a:spLocks noGrp="1"/>
-          </p:cNvSpPr>
-          <p:nvPr>
-            <p:ph type="sldNum" sz="quarter" idx="4"/>
-          </p:nvPr>
-        </p:nvSpPr>
-        <p:spPr/>
-        <p:txBody>
-          <a:bodyPr/>
-          <a:lstStyle/>
-          <a:p>
-            <a:pPr>
-              <a:defRPr/>
-            </a:pPr>
-            <a:fld id="{AFCF9BA9-AB08-46E1-A235-3AC71B2FE2C1}" type="slidenum">
-              <a:rPr lang="de-DE" altLang="de-DE" sz="1000" smtClean="0">
-                <a:solidFill>
-                  <a:srgbClr val="D8413E"/>
-                </a:solidFill>
-                <a:latin typeface="Arial" panose="020B0604020202020204" pitchFamily="34" charset="0"/>
-                <a:cs typeface="Arial" panose="020B0604020202020204" pitchFamily="34" charset="0"/>
-              </a:rPr>
-              <a:pPr>
-                <a:defRPr/>
-              </a:pPr>
-              <a:t>9</a:t>
-            </a:fld>
-            <a:endParaRPr lang="de-DE" altLang="de-DE" sz="1000" dirty="0">
-              <a:solidFill>
-                <a:srgbClr val="D8413E"/>
-              </a:solidFill>
-              <a:latin typeface="Arial" panose="020B0604020202020204" pitchFamily="34" charset="0"/>
-              <a:cs typeface="Arial" panose="020B0604020202020204" pitchFamily="34" charset="0"/>
-            </a:endParaRPr>
-          </a:p>
-        </p:txBody>
-      </p:sp>
-      <p:sp>
-        <p:nvSpPr>
-          <p:cNvPr id="5" name="Content Placeholder 4">
-            <a:extLst>
-              <a:ext uri="{FF2B5EF4-FFF2-40B4-BE49-F238E27FC236}">
-                <a16:creationId xmlns:a16="http://schemas.microsoft.com/office/drawing/2014/main" id="{4CA1B370-0E3F-7085-F4A0-B0163881842A}"/>
-              </a:ext>
-            </a:extLst>
-          </p:cNvPr>
-          <p:cNvSpPr>
-            <a:spLocks noGrp="1"/>
-          </p:cNvSpPr>
-          <p:nvPr>
-            <p:ph idx="1"/>
-          </p:nvPr>
-        </p:nvSpPr>
-        <p:spPr/>
-        <p:txBody>
-          <a:bodyPr/>
-          <a:lstStyle/>
-          <a:p>
-            <a:r>
-              <a:rPr lang="en-US" dirty="0"/>
-              <a:t>Number of clusters has a larger influence on execution time than number of total reactions</a:t>
-            </a:r>
-          </a:p>
-          <a:p>
-            <a:r>
-              <a:rPr lang="en-US" dirty="0"/>
-              <a:t>Label Histograms and </a:t>
-            </a:r>
-            <a:r>
-              <a:rPr lang="en-US" dirty="0" err="1"/>
-              <a:t>Weisfeiler</a:t>
-            </a:r>
-            <a:r>
-              <a:rPr lang="en-US" dirty="0"/>
-              <a:t> Lehmann Graph Hash are the best invariants</a:t>
-            </a:r>
-          </a:p>
-          <a:p>
-            <a:pPr lvl="1"/>
-            <a:r>
-              <a:rPr lang="en-US" dirty="0"/>
-              <a:t>Linear scaling for increasing number of reactions</a:t>
-            </a:r>
-          </a:p>
-          <a:p>
-            <a:pPr lvl="1"/>
-            <a:r>
-              <a:rPr lang="en-US" dirty="0"/>
-              <a:t>Exponential scaling for increasing L Depths</a:t>
-            </a:r>
-          </a:p>
-          <a:p>
-            <a:r>
-              <a:rPr lang="en-US" dirty="0"/>
-              <a:t>Edge Label with Nodes Histogram has the lowest total execution time</a:t>
-            </a:r>
-          </a:p>
-          <a:p>
-            <a:r>
-              <a:rPr lang="en-US" dirty="0"/>
-              <a:t>Node Label Histogram produces many clusters in short time</a:t>
-            </a:r>
-          </a:p>
-          <a:p>
-            <a:r>
-              <a:rPr lang="en-US" dirty="0" err="1"/>
-              <a:t>Weisfeiler</a:t>
-            </a:r>
-            <a:r>
-              <a:rPr lang="en-US" dirty="0"/>
-              <a:t> Lehman Graph Hash finds with 3 Iterations all clusters for</a:t>
-            </a:r>
-            <a:br>
-              <a:rPr lang="en-US" dirty="0"/>
-            </a:br>
-            <a:r>
-              <a:rPr lang="en-US" dirty="0"/>
-              <a:t>L-Depth 0-2</a:t>
-            </a:r>
-          </a:p>
-        </p:txBody>
-      </p:sp>
-    </p:spTree>
-    <p:extLst>
-      <p:ext uri="{BB962C8B-B14F-4D97-AF65-F5344CB8AC3E}">
-        <p14:creationId xmlns:p14="http://schemas.microsoft.com/office/powerpoint/2010/main" val="855097008"/>
+        <p14:creationId xmlns:p14="http://schemas.microsoft.com/office/powerpoint/2010/main" val="3004640147"/>
       </p:ext>
     </p:extLst>
   </p:cSld>
